--- a/Design/AD mob.pptx
+++ b/Design/AD mob.pptx
@@ -47,6 +47,8 @@
     <p:sldId id="295" r:id="rId41"/>
     <p:sldId id="302" r:id="rId42"/>
     <p:sldId id="303" r:id="rId43"/>
+    <p:sldId id="304" r:id="rId44"/>
+    <p:sldId id="305" r:id="rId45"/>
   </p:sldIdLst>
   <p:sldSz cx="6858000" cy="9144000" type="screen4x3"/>
   <p:notesSz cx="6858000" cy="9144000"/>
@@ -329,7 +331,7 @@
           <a:p>
             <a:fld id="{95C32E88-616F-C648-B3FA-694311D876FD}" type="datetimeFigureOut">
               <a:rPr lang="en-US" smtClean="0"/>
-              <a:t>10/5/14 </a:t>
+              <a:t>10/11/14 </a:t>
             </a:fld>
             <a:endParaRPr lang="en-US"/>
           </a:p>
@@ -499,7 +501,7 @@
           <a:p>
             <a:fld id="{95C32E88-616F-C648-B3FA-694311D876FD}" type="datetimeFigureOut">
               <a:rPr lang="en-US" smtClean="0"/>
-              <a:t>10/5/14 </a:t>
+              <a:t>10/11/14 </a:t>
             </a:fld>
             <a:endParaRPr lang="en-US"/>
           </a:p>
@@ -679,7 +681,7 @@
           <a:p>
             <a:fld id="{95C32E88-616F-C648-B3FA-694311D876FD}" type="datetimeFigureOut">
               <a:rPr lang="en-US" smtClean="0"/>
-              <a:t>10/5/14 </a:t>
+              <a:t>10/11/14 </a:t>
             </a:fld>
             <a:endParaRPr lang="en-US"/>
           </a:p>
@@ -849,7 +851,7 @@
           <a:p>
             <a:fld id="{95C32E88-616F-C648-B3FA-694311D876FD}" type="datetimeFigureOut">
               <a:rPr lang="en-US" smtClean="0"/>
-              <a:t>10/5/14 </a:t>
+              <a:t>10/11/14 </a:t>
             </a:fld>
             <a:endParaRPr lang="en-US"/>
           </a:p>
@@ -1095,7 +1097,7 @@
           <a:p>
             <a:fld id="{95C32E88-616F-C648-B3FA-694311D876FD}" type="datetimeFigureOut">
               <a:rPr lang="en-US" smtClean="0"/>
-              <a:t>10/5/14 </a:t>
+              <a:t>10/11/14 </a:t>
             </a:fld>
             <a:endParaRPr lang="en-US"/>
           </a:p>
@@ -1383,7 +1385,7 @@
           <a:p>
             <a:fld id="{95C32E88-616F-C648-B3FA-694311D876FD}" type="datetimeFigureOut">
               <a:rPr lang="en-US" smtClean="0"/>
-              <a:t>10/5/14 </a:t>
+              <a:t>10/11/14 </a:t>
             </a:fld>
             <a:endParaRPr lang="en-US"/>
           </a:p>
@@ -1810,7 +1812,7 @@
           <a:p>
             <a:fld id="{95C32E88-616F-C648-B3FA-694311D876FD}" type="datetimeFigureOut">
               <a:rPr lang="en-US" smtClean="0"/>
-              <a:t>10/5/14 </a:t>
+              <a:t>10/11/14 </a:t>
             </a:fld>
             <a:endParaRPr lang="en-US"/>
           </a:p>
@@ -1928,7 +1930,7 @@
           <a:p>
             <a:fld id="{95C32E88-616F-C648-B3FA-694311D876FD}" type="datetimeFigureOut">
               <a:rPr lang="en-US" smtClean="0"/>
-              <a:t>10/5/14 </a:t>
+              <a:t>10/11/14 </a:t>
             </a:fld>
             <a:endParaRPr lang="en-US"/>
           </a:p>
@@ -2023,7 +2025,7 @@
           <a:p>
             <a:fld id="{95C32E88-616F-C648-B3FA-694311D876FD}" type="datetimeFigureOut">
               <a:rPr lang="en-US" smtClean="0"/>
-              <a:t>10/5/14 </a:t>
+              <a:t>10/11/14 </a:t>
             </a:fld>
             <a:endParaRPr lang="en-US"/>
           </a:p>
@@ -2300,7 +2302,7 @@
           <a:p>
             <a:fld id="{95C32E88-616F-C648-B3FA-694311D876FD}" type="datetimeFigureOut">
               <a:rPr lang="en-US" smtClean="0"/>
-              <a:t>10/5/14 </a:t>
+              <a:t>10/11/14 </a:t>
             </a:fld>
             <a:endParaRPr lang="en-US"/>
           </a:p>
@@ -2553,7 +2555,7 @@
           <a:p>
             <a:fld id="{95C32E88-616F-C648-B3FA-694311D876FD}" type="datetimeFigureOut">
               <a:rPr lang="en-US" smtClean="0"/>
-              <a:t>10/5/14 </a:t>
+              <a:t>10/11/14 </a:t>
             </a:fld>
             <a:endParaRPr lang="en-US"/>
           </a:p>
@@ -2766,7 +2768,7 @@
           <a:p>
             <a:fld id="{95C32E88-616F-C648-B3FA-694311D876FD}" type="datetimeFigureOut">
               <a:rPr lang="en-US" smtClean="0"/>
-              <a:t>10/5/14 </a:t>
+              <a:t>10/11/14 </a:t>
             </a:fld>
             <a:endParaRPr lang="en-US"/>
           </a:p>
@@ -11190,23 +11192,7 @@
                   <a:schemeClr val="tx1"/>
                 </a:solidFill>
               </a:rPr>
-              <a:t>Display </a:t>
-            </a:r>
-            <a:r>
-              <a:rPr lang="en-US" sz="1400" dirty="0" smtClean="0">
-                <a:solidFill>
-                  <a:schemeClr val="tx1"/>
-                </a:solidFill>
-              </a:rPr>
-              <a:t>shop </a:t>
-            </a:r>
-            <a:r>
-              <a:rPr lang="en-US" sz="1400" dirty="0" smtClean="0">
-                <a:solidFill>
-                  <a:schemeClr val="tx1"/>
-                </a:solidFill>
-              </a:rPr>
-              <a:t>page</a:t>
+              <a:t>Display shop page</a:t>
             </a:r>
             <a:endParaRPr lang="en-US" sz="1400" dirty="0">
               <a:solidFill>
@@ -11400,15 +11386,7 @@
                   <a:schemeClr val="tx1"/>
                 </a:solidFill>
               </a:rPr>
-              <a:t>shops </a:t>
-            </a:r>
-            <a:r>
-              <a:rPr lang="en-US" sz="1400" dirty="0" smtClean="0">
-                <a:solidFill>
-                  <a:schemeClr val="tx1"/>
-                </a:solidFill>
-              </a:rPr>
-              <a:t>that exist in database randomly</a:t>
+              <a:t>shops that exist in database randomly</a:t>
             </a:r>
             <a:endParaRPr lang="en-US" sz="1400" dirty="0">
               <a:solidFill>
@@ -12668,23 +12646,7 @@
                   <a:schemeClr val="tx1"/>
                 </a:solidFill>
               </a:rPr>
-              <a:t>Display </a:t>
-            </a:r>
-            <a:r>
-              <a:rPr lang="en-US" sz="1400" dirty="0" smtClean="0">
-                <a:solidFill>
-                  <a:schemeClr val="tx1"/>
-                </a:solidFill>
-              </a:rPr>
-              <a:t>shop </a:t>
-            </a:r>
-            <a:r>
-              <a:rPr lang="en-US" sz="1400" dirty="0" smtClean="0">
-                <a:solidFill>
-                  <a:schemeClr val="tx1"/>
-                </a:solidFill>
-              </a:rPr>
-              <a:t>page</a:t>
+              <a:t>Display shop page</a:t>
             </a:r>
             <a:endParaRPr lang="en-US" sz="1400" dirty="0">
               <a:solidFill>
@@ -12879,15 +12841,7 @@
                   <a:schemeClr val="tx1"/>
                 </a:solidFill>
               </a:rPr>
-              <a:t>of shops that </a:t>
-            </a:r>
-            <a:r>
-              <a:rPr lang="en-US" sz="1400" dirty="0" smtClean="0">
-                <a:solidFill>
-                  <a:schemeClr val="tx1"/>
-                </a:solidFill>
-              </a:rPr>
-              <a:t>exist in database according to the selected category</a:t>
+              <a:t>of shops that exist in database according to the selected category</a:t>
             </a:r>
             <a:endParaRPr lang="en-US" sz="1400" dirty="0">
               <a:solidFill>
@@ -12946,23 +12900,7 @@
                   <a:schemeClr val="tx1"/>
                 </a:solidFill>
               </a:rPr>
-              <a:t>Select a </a:t>
-            </a:r>
-            <a:r>
-              <a:rPr lang="en-US" sz="1400" dirty="0" smtClean="0">
-                <a:solidFill>
-                  <a:schemeClr val="tx1"/>
-                </a:solidFill>
-              </a:rPr>
-              <a:t>shop</a:t>
-            </a:r>
-            <a:r>
-              <a:rPr lang="en-US" sz="1400" dirty="0" smtClean="0">
-                <a:solidFill>
-                  <a:schemeClr val="tx1"/>
-                </a:solidFill>
-              </a:rPr>
-              <a:t> category</a:t>
+              <a:t>Select a shop category</a:t>
             </a:r>
             <a:endParaRPr lang="en-US" sz="1400" dirty="0">
               <a:solidFill>
@@ -13327,23 +13265,7 @@
                   <a:schemeClr val="tx1"/>
                 </a:solidFill>
               </a:rPr>
-              <a:t>Display </a:t>
-            </a:r>
-            <a:r>
-              <a:rPr lang="en-US" sz="1400" dirty="0" smtClean="0">
-                <a:solidFill>
-                  <a:schemeClr val="tx1"/>
-                </a:solidFill>
-              </a:rPr>
-              <a:t>shop </a:t>
-            </a:r>
-            <a:r>
-              <a:rPr lang="en-US" sz="1400" dirty="0" smtClean="0">
-                <a:solidFill>
-                  <a:schemeClr val="tx1"/>
-                </a:solidFill>
-              </a:rPr>
-              <a:t>page</a:t>
+              <a:t>Display shop page</a:t>
             </a:r>
             <a:endParaRPr lang="en-US" sz="1400" dirty="0">
               <a:solidFill>
@@ -13538,31 +13460,7 @@
                   <a:schemeClr val="tx1"/>
                 </a:solidFill>
               </a:rPr>
-              <a:t>shops </a:t>
-            </a:r>
-            <a:r>
-              <a:rPr lang="en-US" sz="1400" dirty="0" smtClean="0">
-                <a:solidFill>
-                  <a:schemeClr val="tx1"/>
-                </a:solidFill>
-              </a:rPr>
-              <a:t>that exist in database, in which the </a:t>
-            </a:r>
-            <a:r>
-              <a:rPr lang="en-US" sz="1400" dirty="0" smtClean="0">
-                <a:solidFill>
-                  <a:schemeClr val="tx1"/>
-                </a:solidFill>
-              </a:rPr>
-              <a:t>shop name contains </a:t>
-            </a:r>
-            <a:r>
-              <a:rPr lang="en-US" sz="1400" dirty="0" smtClean="0">
-                <a:solidFill>
-                  <a:schemeClr val="tx1"/>
-                </a:solidFill>
-              </a:rPr>
-              <a:t>the searched keyword</a:t>
+              <a:t>shops that exist in database, in which the shop name contains the searched keyword</a:t>
             </a:r>
             <a:endParaRPr lang="en-US" sz="1400" dirty="0">
               <a:solidFill>
@@ -13887,15 +13785,7 @@
                   <a:schemeClr val="tx1"/>
                 </a:solidFill>
               </a:rPr>
-              <a:t>Select a </a:t>
-            </a:r>
-            <a:r>
-              <a:rPr lang="en-US" sz="1400" dirty="0" smtClean="0">
-                <a:solidFill>
-                  <a:schemeClr val="tx1"/>
-                </a:solidFill>
-              </a:rPr>
-              <a:t>shop</a:t>
+              <a:t>Select a shop</a:t>
             </a:r>
             <a:endParaRPr lang="en-US" sz="1400" dirty="0">
               <a:solidFill>
@@ -14073,15 +13963,7 @@
                   <a:schemeClr val="tx1"/>
                 </a:solidFill>
               </a:rPr>
-              <a:t>Display information of the </a:t>
-            </a:r>
-            <a:r>
-              <a:rPr lang="en-US" sz="1400" dirty="0" smtClean="0">
-                <a:solidFill>
-                  <a:schemeClr val="tx1"/>
-                </a:solidFill>
-              </a:rPr>
-              <a:t>shop</a:t>
+              <a:t>Display information of the shop</a:t>
             </a:r>
             <a:endParaRPr lang="en-US" sz="1400" dirty="0">
               <a:solidFill>
@@ -14140,23 +14022,7 @@
                   <a:schemeClr val="tx1"/>
                 </a:solidFill>
               </a:rPr>
-              <a:t>Go to </a:t>
-            </a:r>
-            <a:r>
-              <a:rPr lang="en-US" sz="1400" dirty="0" smtClean="0">
-                <a:solidFill>
-                  <a:schemeClr val="tx1"/>
-                </a:solidFill>
-              </a:rPr>
-              <a:t>shop </a:t>
-            </a:r>
-            <a:r>
-              <a:rPr lang="en-US" sz="1400" dirty="0" smtClean="0">
-                <a:solidFill>
-                  <a:schemeClr val="tx1"/>
-                </a:solidFill>
-              </a:rPr>
-              <a:t>detail page</a:t>
+              <a:t>Go to shop detail page</a:t>
             </a:r>
             <a:endParaRPr lang="en-US" sz="1400" dirty="0">
               <a:solidFill>
@@ -14422,23 +14288,7 @@
                   <a:schemeClr val="tx1"/>
                 </a:solidFill>
               </a:rPr>
-              <a:t>Select create </a:t>
-            </a:r>
-            <a:r>
-              <a:rPr lang="en-US" sz="1400" dirty="0" smtClean="0">
-                <a:solidFill>
-                  <a:schemeClr val="tx1"/>
-                </a:solidFill>
-              </a:rPr>
-              <a:t>shop </a:t>
-            </a:r>
-            <a:r>
-              <a:rPr lang="en-US" sz="1400" dirty="0" smtClean="0">
-                <a:solidFill>
-                  <a:schemeClr val="tx1"/>
-                </a:solidFill>
-              </a:rPr>
-              <a:t>link</a:t>
+              <a:t>Select create shop link</a:t>
             </a:r>
             <a:endParaRPr lang="en-US" sz="1400" dirty="0">
               <a:solidFill>
@@ -14577,31 +14427,7 @@
                   <a:schemeClr val="tx1"/>
                 </a:solidFill>
               </a:rPr>
-              <a:t>Provide create </a:t>
-            </a:r>
-            <a:r>
-              <a:rPr lang="en-US" sz="1400" dirty="0" smtClean="0">
-                <a:solidFill>
-                  <a:schemeClr val="tx1"/>
-                </a:solidFill>
-              </a:rPr>
-              <a:t>shop</a:t>
-            </a:r>
-            <a:r>
-              <a:rPr lang="en-US" sz="1400" dirty="0" smtClean="0">
-                <a:solidFill>
-                  <a:schemeClr val="tx1"/>
-                </a:solidFill>
-              </a:rPr>
-              <a:t> </a:t>
-            </a:r>
-            <a:r>
-              <a:rPr lang="en-US" sz="1400" dirty="0" smtClean="0">
-                <a:solidFill>
-                  <a:schemeClr val="tx1"/>
-                </a:solidFill>
-              </a:rPr>
-              <a:t>interface </a:t>
+              <a:t>Provide create shop interface </a:t>
             </a:r>
             <a:endParaRPr lang="en-US" sz="1400" dirty="0">
               <a:solidFill>
@@ -14660,23 +14486,7 @@
                   <a:schemeClr val="tx1"/>
                 </a:solidFill>
               </a:rPr>
-              <a:t>Input </a:t>
-            </a:r>
-            <a:r>
-              <a:rPr lang="en-US" sz="1400" dirty="0" smtClean="0">
-                <a:solidFill>
-                  <a:schemeClr val="tx1"/>
-                </a:solidFill>
-              </a:rPr>
-              <a:t>shop </a:t>
-            </a:r>
-            <a:r>
-              <a:rPr lang="en-US" sz="1400" dirty="0" smtClean="0">
-                <a:solidFill>
-                  <a:schemeClr val="tx1"/>
-                </a:solidFill>
-              </a:rPr>
-              <a:t>information</a:t>
+              <a:t>Input shop information</a:t>
             </a:r>
             <a:endParaRPr lang="en-US" sz="1400" dirty="0">
               <a:solidFill>
@@ -14914,23 +14724,7 @@
                   <a:schemeClr val="tx1"/>
                 </a:solidFill>
               </a:rPr>
-              <a:t>Save </a:t>
-            </a:r>
-            <a:r>
-              <a:rPr lang="en-US" sz="1400" dirty="0" smtClean="0">
-                <a:solidFill>
-                  <a:schemeClr val="tx1"/>
-                </a:solidFill>
-              </a:rPr>
-              <a:t>shop </a:t>
-            </a:r>
-            <a:r>
-              <a:rPr lang="en-US" sz="1400" dirty="0" smtClean="0">
-                <a:solidFill>
-                  <a:schemeClr val="tx1"/>
-                </a:solidFill>
-              </a:rPr>
-              <a:t>into database</a:t>
+              <a:t>Save shop into database</a:t>
             </a:r>
             <a:endParaRPr lang="en-US" sz="1400" dirty="0">
               <a:solidFill>
@@ -15295,15 +15089,7 @@
                   <a:schemeClr val="tx1"/>
                 </a:solidFill>
               </a:rPr>
-              <a:t>Select a </a:t>
-            </a:r>
-            <a:r>
-              <a:rPr lang="en-US" sz="1400" dirty="0" smtClean="0">
-                <a:solidFill>
-                  <a:schemeClr val="tx1"/>
-                </a:solidFill>
-              </a:rPr>
-              <a:t>shop</a:t>
+              <a:t>Select a shop</a:t>
             </a:r>
             <a:endParaRPr lang="en-US" sz="1400" dirty="0">
               <a:solidFill>
@@ -15421,23 +15207,7 @@
                   <a:schemeClr val="tx1"/>
                 </a:solidFill>
               </a:rPr>
-              <a:t>Provide editable </a:t>
-            </a:r>
-            <a:r>
-              <a:rPr lang="en-US" sz="1400" dirty="0" smtClean="0">
-                <a:solidFill>
-                  <a:schemeClr val="tx1"/>
-                </a:solidFill>
-              </a:rPr>
-              <a:t>shop </a:t>
-            </a:r>
-            <a:r>
-              <a:rPr lang="en-US" sz="1400" dirty="0" smtClean="0">
-                <a:solidFill>
-                  <a:schemeClr val="tx1"/>
-                </a:solidFill>
-              </a:rPr>
-              <a:t>interface</a:t>
+              <a:t>Provide editable shop interface</a:t>
             </a:r>
             <a:endParaRPr lang="en-US" sz="1400" dirty="0">
               <a:solidFill>
@@ -15926,23 +15696,7 @@
                   <a:schemeClr val="tx1"/>
                 </a:solidFill>
               </a:rPr>
-              <a:t>Save </a:t>
-            </a:r>
-            <a:r>
-              <a:rPr lang="en-US" sz="1400" dirty="0" smtClean="0">
-                <a:solidFill>
-                  <a:schemeClr val="tx1"/>
-                </a:solidFill>
-              </a:rPr>
-              <a:t>the shop to </a:t>
-            </a:r>
-            <a:r>
-              <a:rPr lang="en-US" sz="1400" dirty="0" smtClean="0">
-                <a:solidFill>
-                  <a:schemeClr val="tx1"/>
-                </a:solidFill>
-              </a:rPr>
-              <a:t>database</a:t>
+              <a:t>Save the shop to database</a:t>
             </a:r>
             <a:endParaRPr lang="en-US" sz="1400" dirty="0">
               <a:solidFill>
@@ -16480,11 +16234,6 @@
               </a:rPr>
               <a:t>shop</a:t>
             </a:r>
-            <a:endParaRPr lang="en-US" sz="1400" dirty="0">
-              <a:solidFill>
-                <a:schemeClr val="tx1"/>
-              </a:solidFill>
-            </a:endParaRPr>
           </a:p>
         </p:txBody>
       </p:sp>
@@ -17919,31 +17668,7 @@
                   <a:schemeClr val="tx1"/>
                 </a:solidFill>
               </a:rPr>
-              <a:t>Click </a:t>
-            </a:r>
-            <a:r>
-              <a:rPr lang="en-US" sz="1400" dirty="0" smtClean="0">
-                <a:solidFill>
-                  <a:schemeClr val="tx1"/>
-                </a:solidFill>
-              </a:rPr>
-              <a:t>around me</a:t>
-            </a:r>
-            <a:r>
-              <a:rPr lang="en-US" sz="1400" dirty="0" smtClean="0">
-                <a:solidFill>
-                  <a:schemeClr val="tx1"/>
-                </a:solidFill>
-              </a:rPr>
-              <a:t> </a:t>
-            </a:r>
-            <a:r>
-              <a:rPr lang="en-US" sz="1400" dirty="0" smtClean="0">
-                <a:solidFill>
-                  <a:schemeClr val="tx1"/>
-                </a:solidFill>
-              </a:rPr>
-              <a:t>button</a:t>
+              <a:t>Click around me button</a:t>
             </a:r>
             <a:endParaRPr lang="en-US" sz="1400" dirty="0">
               <a:solidFill>
@@ -18193,15 +17918,7 @@
                   <a:schemeClr val="tx1"/>
                 </a:solidFill>
               </a:rPr>
-              <a:t>Display </a:t>
-            </a:r>
-            <a:r>
-              <a:rPr lang="en-US" sz="1400" dirty="0" smtClean="0">
-                <a:solidFill>
-                  <a:schemeClr val="tx1"/>
-                </a:solidFill>
-              </a:rPr>
-              <a:t>the exact location of shops near by the user</a:t>
+              <a:t>Display the exact location of shops near by the user</a:t>
             </a:r>
             <a:endParaRPr lang="en-US" sz="1400" dirty="0">
               <a:solidFill>
@@ -18507,15 +18224,7 @@
                   <a:schemeClr val="tx1"/>
                 </a:solidFill>
               </a:rPr>
-              <a:t>Select a </a:t>
-            </a:r>
-            <a:r>
-              <a:rPr lang="en-US" sz="1400" dirty="0" smtClean="0">
-                <a:solidFill>
-                  <a:schemeClr val="tx1"/>
-                </a:solidFill>
-              </a:rPr>
-              <a:t>shop</a:t>
+              <a:t>Select a shop</a:t>
             </a:r>
             <a:endParaRPr lang="en-US" sz="1400" dirty="0">
               <a:solidFill>
@@ -18694,15 +18403,7 @@
                   <a:schemeClr val="tx1"/>
                 </a:solidFill>
               </a:rPr>
-              <a:t>Display information of the </a:t>
-            </a:r>
-            <a:r>
-              <a:rPr lang="en-US" sz="1400" dirty="0" smtClean="0">
-                <a:solidFill>
-                  <a:schemeClr val="tx1"/>
-                </a:solidFill>
-              </a:rPr>
-              <a:t>shop</a:t>
+              <a:t>Display information of the shop</a:t>
             </a:r>
             <a:endParaRPr lang="en-US" sz="1400" dirty="0">
               <a:solidFill>
@@ -18761,23 +18462,7 @@
                   <a:schemeClr val="tx1"/>
                 </a:solidFill>
               </a:rPr>
-              <a:t>Go to </a:t>
-            </a:r>
-            <a:r>
-              <a:rPr lang="en-US" sz="1400" dirty="0" smtClean="0">
-                <a:solidFill>
-                  <a:schemeClr val="tx1"/>
-                </a:solidFill>
-              </a:rPr>
-              <a:t>shop </a:t>
-            </a:r>
-            <a:r>
-              <a:rPr lang="en-US" sz="1400" dirty="0" smtClean="0">
-                <a:solidFill>
-                  <a:schemeClr val="tx1"/>
-                </a:solidFill>
-              </a:rPr>
-              <a:t>detail page</a:t>
+              <a:t>Go to shop detail page</a:t>
             </a:r>
             <a:endParaRPr lang="en-US" sz="1400" dirty="0">
               <a:solidFill>
@@ -18876,15 +18561,7 @@
                   <a:schemeClr val="tx1"/>
                 </a:solidFill>
               </a:rPr>
-              <a:t>Click </a:t>
-            </a:r>
-            <a:r>
-              <a:rPr lang="en-US" sz="1400" dirty="0" smtClean="0">
-                <a:solidFill>
-                  <a:schemeClr val="tx1"/>
-                </a:solidFill>
-              </a:rPr>
-              <a:t>location link</a:t>
+              <a:t>Click location link</a:t>
             </a:r>
             <a:endParaRPr lang="en-US" sz="1400" dirty="0">
               <a:solidFill>
@@ -19042,31 +18719,7 @@
                   <a:schemeClr val="tx1"/>
                 </a:solidFill>
               </a:rPr>
-              <a:t>Display </a:t>
-            </a:r>
-            <a:r>
-              <a:rPr lang="en-US" sz="1400" dirty="0" smtClean="0">
-                <a:solidFill>
-                  <a:schemeClr val="tx1"/>
-                </a:solidFill>
-              </a:rPr>
-              <a:t>the exact location </a:t>
-            </a:r>
-            <a:r>
-              <a:rPr lang="en-US" sz="1400" dirty="0" smtClean="0">
-                <a:solidFill>
-                  <a:schemeClr val="tx1"/>
-                </a:solidFill>
-              </a:rPr>
-              <a:t>of the </a:t>
-            </a:r>
-            <a:r>
-              <a:rPr lang="en-US" sz="1400" dirty="0" smtClean="0">
-                <a:solidFill>
-                  <a:schemeClr val="tx1"/>
-                </a:solidFill>
-              </a:rPr>
-              <a:t>shop</a:t>
+              <a:t>Display the exact location of the shop</a:t>
             </a:r>
             <a:endParaRPr lang="en-US" sz="1400" dirty="0">
               <a:solidFill>
@@ -19372,23 +19025,7 @@
                   <a:schemeClr val="tx1"/>
                 </a:solidFill>
               </a:rPr>
-              <a:t>Select </a:t>
-            </a:r>
-            <a:r>
-              <a:rPr lang="en-US" sz="1400" dirty="0" smtClean="0">
-                <a:solidFill>
-                  <a:schemeClr val="tx1"/>
-                </a:solidFill>
-              </a:rPr>
-              <a:t>create/edit shop </a:t>
-            </a:r>
-            <a:r>
-              <a:rPr lang="en-US" sz="1400" dirty="0" smtClean="0">
-                <a:solidFill>
-                  <a:schemeClr val="tx1"/>
-                </a:solidFill>
-              </a:rPr>
-              <a:t>link</a:t>
+              <a:t>Select create/edit shop link</a:t>
             </a:r>
             <a:endParaRPr lang="en-US" sz="1400" dirty="0">
               <a:solidFill>
@@ -19527,31 +19164,7 @@
                   <a:schemeClr val="tx1"/>
                 </a:solidFill>
               </a:rPr>
-              <a:t>Provide </a:t>
-            </a:r>
-            <a:r>
-              <a:rPr lang="en-US" sz="1400" dirty="0" smtClean="0">
-                <a:solidFill>
-                  <a:schemeClr val="tx1"/>
-                </a:solidFill>
-              </a:rPr>
-              <a:t>create/edit </a:t>
-            </a:r>
-            <a:r>
-              <a:rPr lang="en-US" sz="1400" dirty="0" smtClean="0">
-                <a:solidFill>
-                  <a:schemeClr val="tx1"/>
-                </a:solidFill>
-              </a:rPr>
-              <a:t>shop</a:t>
-            </a:r>
-            <a:r>
-              <a:rPr lang="en-US" sz="1400" dirty="0" smtClean="0">
-                <a:solidFill>
-                  <a:schemeClr val="tx1"/>
-                </a:solidFill>
-              </a:rPr>
-              <a:t> interface</a:t>
+              <a:t>Provide create/edit shop interface</a:t>
             </a:r>
             <a:endParaRPr lang="en-US" sz="1400" dirty="0">
               <a:solidFill>
@@ -19610,23 +19223,7 @@
                   <a:schemeClr val="tx1"/>
                 </a:solidFill>
               </a:rPr>
-              <a:t>Input </a:t>
-            </a:r>
-            <a:r>
-              <a:rPr lang="en-US" sz="1400" dirty="0" smtClean="0">
-                <a:solidFill>
-                  <a:schemeClr val="tx1"/>
-                </a:solidFill>
-              </a:rPr>
-              <a:t>shop </a:t>
-            </a:r>
-            <a:r>
-              <a:rPr lang="en-US" sz="1400" dirty="0" smtClean="0">
-                <a:solidFill>
-                  <a:schemeClr val="tx1"/>
-                </a:solidFill>
-              </a:rPr>
-              <a:t>information</a:t>
+              <a:t>Input shop information</a:t>
             </a:r>
             <a:endParaRPr lang="en-US" sz="1400" dirty="0">
               <a:solidFill>
@@ -19805,23 +19402,7 @@
                   <a:schemeClr val="tx1"/>
                 </a:solidFill>
               </a:rPr>
-              <a:t>Click </a:t>
-            </a:r>
-            <a:r>
-              <a:rPr lang="en-US" sz="1400" dirty="0" smtClean="0">
-                <a:solidFill>
-                  <a:schemeClr val="tx1"/>
-                </a:solidFill>
-              </a:rPr>
-              <a:t>done/save </a:t>
-            </a:r>
-            <a:r>
-              <a:rPr lang="en-US" sz="1400" dirty="0" smtClean="0">
-                <a:solidFill>
-                  <a:schemeClr val="tx1"/>
-                </a:solidFill>
-              </a:rPr>
-              <a:t>button</a:t>
+              <a:t>Click done/save button</a:t>
             </a:r>
             <a:endParaRPr lang="en-US" sz="1400" dirty="0">
               <a:solidFill>
@@ -19880,23 +19461,7 @@
                   <a:schemeClr val="tx1"/>
                 </a:solidFill>
               </a:rPr>
-              <a:t>Save </a:t>
-            </a:r>
-            <a:r>
-              <a:rPr lang="en-US" sz="1400" dirty="0" smtClean="0">
-                <a:solidFill>
-                  <a:schemeClr val="tx1"/>
-                </a:solidFill>
-              </a:rPr>
-              <a:t>shop </a:t>
-            </a:r>
-            <a:r>
-              <a:rPr lang="en-US" sz="1400" dirty="0" smtClean="0">
-                <a:solidFill>
-                  <a:schemeClr val="tx1"/>
-                </a:solidFill>
-              </a:rPr>
-              <a:t>into database</a:t>
+              <a:t>Save shop into database</a:t>
             </a:r>
             <a:endParaRPr lang="en-US" sz="1400" dirty="0">
               <a:solidFill>
@@ -20094,15 +19659,7 @@
                   <a:schemeClr val="tx1"/>
                 </a:solidFill>
               </a:rPr>
-              <a:t>Click </a:t>
-            </a:r>
-            <a:r>
-              <a:rPr lang="en-US" sz="1400" dirty="0" smtClean="0">
-                <a:solidFill>
-                  <a:schemeClr val="tx1"/>
-                </a:solidFill>
-              </a:rPr>
-              <a:t>location link</a:t>
+              <a:t>Click location link</a:t>
             </a:r>
             <a:endParaRPr lang="en-US" sz="1400" dirty="0">
               <a:solidFill>
@@ -20744,15 +20301,7 @@
                   <a:schemeClr val="tx1"/>
                 </a:solidFill>
               </a:rPr>
-              <a:t>Display information of the </a:t>
-            </a:r>
-            <a:r>
-              <a:rPr lang="en-US" sz="1400" dirty="0" smtClean="0">
-                <a:solidFill>
-                  <a:schemeClr val="tx1"/>
-                </a:solidFill>
-              </a:rPr>
-              <a:t>tutorial including comments</a:t>
+              <a:t>Display information of the tutorial including comments</a:t>
             </a:r>
             <a:endParaRPr lang="en-US" sz="1400" dirty="0">
               <a:solidFill>
@@ -22056,15 +21605,7 @@
                   <a:schemeClr val="tx1"/>
                 </a:solidFill>
               </a:rPr>
-              <a:t>Display information of the </a:t>
-            </a:r>
-            <a:r>
-              <a:rPr lang="en-US" sz="1400" dirty="0" smtClean="0">
-                <a:solidFill>
-                  <a:schemeClr val="tx1"/>
-                </a:solidFill>
-              </a:rPr>
-              <a:t>tutorial including comments</a:t>
+              <a:t>Display information of the tutorial including comments</a:t>
             </a:r>
             <a:endParaRPr lang="en-US" sz="1400" dirty="0">
               <a:solidFill>
@@ -23921,23 +23462,7 @@
                   <a:schemeClr val="tx1"/>
                 </a:solidFill>
               </a:rPr>
-              <a:t>Select </a:t>
-            </a:r>
-            <a:r>
-              <a:rPr lang="en-US" sz="1400" dirty="0" smtClean="0">
-                <a:solidFill>
-                  <a:schemeClr val="tx1"/>
-                </a:solidFill>
-              </a:rPr>
-              <a:t>the liked </a:t>
-            </a:r>
-            <a:r>
-              <a:rPr lang="en-US" sz="1400" dirty="0" smtClean="0">
-                <a:solidFill>
-                  <a:schemeClr val="tx1"/>
-                </a:solidFill>
-              </a:rPr>
-              <a:t>tutorial</a:t>
+              <a:t>Select the liked tutorial</a:t>
             </a:r>
             <a:endParaRPr lang="en-US" sz="1400" dirty="0">
               <a:solidFill>
@@ -24718,15 +24243,7 @@
                   <a:schemeClr val="tx1"/>
                 </a:solidFill>
               </a:rPr>
-              <a:t>Display the selected </a:t>
-            </a:r>
-            <a:r>
-              <a:rPr lang="en-US" sz="1400" dirty="0" smtClean="0">
-                <a:solidFill>
-                  <a:schemeClr val="tx1"/>
-                </a:solidFill>
-              </a:rPr>
-              <a:t>blogger’s information and tutorials</a:t>
+              <a:t>Display the selected blogger’s information and tutorials</a:t>
             </a:r>
             <a:endParaRPr lang="en-US" sz="1400" dirty="0">
               <a:solidFill>
@@ -24785,15 +24302,7 @@
                   <a:schemeClr val="tx1"/>
                 </a:solidFill>
               </a:rPr>
-              <a:t>Select a blogger and go to blogger’s </a:t>
-            </a:r>
-            <a:r>
-              <a:rPr lang="en-US" sz="1400" dirty="0" smtClean="0">
-                <a:solidFill>
-                  <a:schemeClr val="tx1"/>
-                </a:solidFill>
-              </a:rPr>
-              <a:t>profile page</a:t>
+              <a:t>Select a blogger and go to blogger’s profile page</a:t>
             </a:r>
             <a:endParaRPr lang="en-US" sz="1400" dirty="0">
               <a:solidFill>
@@ -25767,15 +25276,7 @@
                   <a:schemeClr val="tx1"/>
                 </a:solidFill>
               </a:rPr>
-              <a:t>Display the selected </a:t>
-            </a:r>
-            <a:r>
-              <a:rPr lang="en-US" sz="1400" dirty="0" smtClean="0">
-                <a:solidFill>
-                  <a:schemeClr val="tx1"/>
-                </a:solidFill>
-              </a:rPr>
-              <a:t>blogger’s information and tutorials</a:t>
+              <a:t>Display the selected blogger’s information and tutorials</a:t>
             </a:r>
             <a:endParaRPr lang="en-US" sz="1400" dirty="0">
               <a:solidFill>
@@ -25834,15 +25335,7 @@
                   <a:schemeClr val="tx1"/>
                 </a:solidFill>
               </a:rPr>
-              <a:t>Select a blogger and go to blogger’s </a:t>
-            </a:r>
-            <a:r>
-              <a:rPr lang="en-US" sz="1400" dirty="0" smtClean="0">
-                <a:solidFill>
-                  <a:schemeClr val="tx1"/>
-                </a:solidFill>
-              </a:rPr>
-              <a:t>profile page</a:t>
+              <a:t>Select a blogger and go to blogger’s profile page</a:t>
             </a:r>
             <a:endParaRPr lang="en-US" sz="1400" dirty="0">
               <a:solidFill>
@@ -26405,31 +25898,7 @@
                   <a:schemeClr val="tx1"/>
                 </a:solidFill>
               </a:rPr>
-              <a:t>Select </a:t>
-            </a:r>
-            <a:r>
-              <a:rPr lang="en-US" sz="1400" dirty="0" smtClean="0">
-                <a:solidFill>
-                  <a:schemeClr val="tx1"/>
-                </a:solidFill>
-              </a:rPr>
-              <a:t>following</a:t>
-            </a:r>
-            <a:r>
-              <a:rPr lang="en-US" sz="1400" dirty="0" smtClean="0">
-                <a:solidFill>
-                  <a:schemeClr val="tx1"/>
-                </a:solidFill>
-              </a:rPr>
-              <a:t> </a:t>
-            </a:r>
-            <a:r>
-              <a:rPr lang="en-US" sz="1400" dirty="0" smtClean="0">
-                <a:solidFill>
-                  <a:schemeClr val="tx1"/>
-                </a:solidFill>
-              </a:rPr>
-              <a:t>link</a:t>
+              <a:t>Select following link</a:t>
             </a:r>
             <a:endParaRPr lang="en-US" sz="1400" dirty="0">
               <a:solidFill>
@@ -26488,15 +25957,7 @@
                   <a:schemeClr val="tx1"/>
                 </a:solidFill>
               </a:rPr>
-              <a:t>Display </a:t>
-            </a:r>
-            <a:r>
-              <a:rPr lang="en-US" sz="1400" dirty="0" smtClean="0">
-                <a:solidFill>
-                  <a:schemeClr val="tx1"/>
-                </a:solidFill>
-              </a:rPr>
-              <a:t>list of bloggers that the blogger(user) is following </a:t>
+              <a:t>Display list of bloggers that the blogger(user) is following </a:t>
             </a:r>
             <a:endParaRPr lang="en-US" sz="1400" dirty="0">
               <a:solidFill>
@@ -27139,31 +26600,7 @@
                   <a:schemeClr val="tx1"/>
                 </a:solidFill>
               </a:rPr>
-              <a:t>Select </a:t>
-            </a:r>
-            <a:r>
-              <a:rPr lang="en-US" sz="1400" dirty="0" smtClean="0">
-                <a:solidFill>
-                  <a:schemeClr val="tx1"/>
-                </a:solidFill>
-              </a:rPr>
-              <a:t>follower</a:t>
-            </a:r>
-            <a:r>
-              <a:rPr lang="en-US" sz="1400" dirty="0" smtClean="0">
-                <a:solidFill>
-                  <a:schemeClr val="tx1"/>
-                </a:solidFill>
-              </a:rPr>
-              <a:t> </a:t>
-            </a:r>
-            <a:r>
-              <a:rPr lang="en-US" sz="1400" dirty="0" smtClean="0">
-                <a:solidFill>
-                  <a:schemeClr val="tx1"/>
-                </a:solidFill>
-              </a:rPr>
-              <a:t>link</a:t>
+              <a:t>Select follower link</a:t>
             </a:r>
             <a:endParaRPr lang="en-US" sz="1400" dirty="0">
               <a:solidFill>
@@ -27222,15 +26659,7 @@
                   <a:schemeClr val="tx1"/>
                 </a:solidFill>
               </a:rPr>
-              <a:t>Display </a:t>
-            </a:r>
-            <a:r>
-              <a:rPr lang="en-US" sz="1400" dirty="0" smtClean="0">
-                <a:solidFill>
-                  <a:schemeClr val="tx1"/>
-                </a:solidFill>
-              </a:rPr>
-              <a:t>list of bloggers that have followed the blogger(user)</a:t>
+              <a:t>Display list of bloggers that have followed the blogger(user)</a:t>
             </a:r>
             <a:endParaRPr lang="en-US" sz="1400" dirty="0">
               <a:solidFill>
@@ -27484,23 +26913,7 @@
                   <a:schemeClr val="tx1"/>
                 </a:solidFill>
               </a:rPr>
-              <a:t>Display the selected shopkeeper’s/blogger’s </a:t>
-            </a:r>
-            <a:r>
-              <a:rPr lang="en-US" sz="1400" dirty="0" smtClean="0">
-                <a:solidFill>
-                  <a:schemeClr val="tx1"/>
-                </a:solidFill>
-              </a:rPr>
-              <a:t>information and </a:t>
-            </a:r>
-            <a:r>
-              <a:rPr lang="en-US" sz="1400" dirty="0" smtClean="0">
-                <a:solidFill>
-                  <a:schemeClr val="tx1"/>
-                </a:solidFill>
-              </a:rPr>
-              <a:t>shops</a:t>
+              <a:t>Display the selected shopkeeper’s/blogger’s information and shops</a:t>
             </a:r>
             <a:endParaRPr lang="en-US" sz="1400" dirty="0">
               <a:solidFill>
@@ -27559,15 +26972,7 @@
                   <a:schemeClr val="tx1"/>
                 </a:solidFill>
               </a:rPr>
-              <a:t>Select a shopkeeper/blogger and go to shopkeeper’s/blogger’s </a:t>
-            </a:r>
-            <a:r>
-              <a:rPr lang="en-US" sz="1400" dirty="0" smtClean="0">
-                <a:solidFill>
-                  <a:schemeClr val="tx1"/>
-                </a:solidFill>
-              </a:rPr>
-              <a:t>profile page</a:t>
+              <a:t>Select a shopkeeper/blogger and go to shopkeeper’s/blogger’s profile page</a:t>
             </a:r>
             <a:endParaRPr lang="en-US" sz="1400" dirty="0">
               <a:solidFill>
@@ -30285,15 +29690,7 @@
                   <a:schemeClr val="tx1"/>
                 </a:solidFill>
               </a:rPr>
-              <a:t>Display information of the </a:t>
-            </a:r>
-            <a:r>
-              <a:rPr lang="en-US" sz="1400" dirty="0" smtClean="0">
-                <a:solidFill>
-                  <a:schemeClr val="tx1"/>
-                </a:solidFill>
-              </a:rPr>
-              <a:t>tutorial including share to Facebook link</a:t>
+              <a:t>Display information of the tutorial including share to Facebook link</a:t>
             </a:r>
             <a:endParaRPr lang="en-US" sz="1400" dirty="0">
               <a:solidFill>
@@ -30453,11 +29850,6 @@
               </a:rPr>
               <a:t>Access to user’s Facebook account</a:t>
             </a:r>
-            <a:endParaRPr lang="en-US" sz="1400" dirty="0">
-              <a:solidFill>
-                <a:schemeClr val="tx1"/>
-              </a:solidFill>
-            </a:endParaRPr>
           </a:p>
         </p:txBody>
       </p:sp>
@@ -31587,15 +30979,7 @@
                   <a:schemeClr val="tx1"/>
                 </a:solidFill>
               </a:rPr>
-              <a:t>Click </a:t>
-            </a:r>
-            <a:r>
-              <a:rPr lang="en-US" sz="1400" dirty="0" smtClean="0">
-                <a:solidFill>
-                  <a:schemeClr val="tx1"/>
-                </a:solidFill>
-              </a:rPr>
-              <a:t>search blogger button</a:t>
+              <a:t>Click search blogger button</a:t>
             </a:r>
             <a:endParaRPr lang="en-US" sz="1400" dirty="0">
               <a:solidFill>
@@ -31753,15 +31137,7 @@
                   <a:schemeClr val="tx1"/>
                 </a:solidFill>
               </a:rPr>
-              <a:t>Display </a:t>
-            </a:r>
-            <a:r>
-              <a:rPr lang="en-US" sz="1400" dirty="0" smtClean="0">
-                <a:solidFill>
-                  <a:schemeClr val="tx1"/>
-                </a:solidFill>
-              </a:rPr>
-              <a:t>search blogger page</a:t>
+              <a:t>Display search blogger page</a:t>
             </a:r>
             <a:endParaRPr lang="en-US" sz="1400" dirty="0">
               <a:solidFill>
@@ -32206,15 +31582,7 @@
                   <a:schemeClr val="tx1"/>
                 </a:solidFill>
               </a:rPr>
-              <a:t>Click </a:t>
-            </a:r>
-            <a:r>
-              <a:rPr lang="en-US" sz="1400" dirty="0" smtClean="0">
-                <a:solidFill>
-                  <a:schemeClr val="tx1"/>
-                </a:solidFill>
-              </a:rPr>
-              <a:t>on the selected blogger’s link</a:t>
+              <a:t>Click on the selected blogger’s link</a:t>
             </a:r>
             <a:endParaRPr lang="en-US" sz="1400" dirty="0">
               <a:solidFill>
@@ -32367,6 +31735,1686 @@
     <p:extLst>
       <p:ext uri="{BB962C8B-B14F-4D97-AF65-F5344CB8AC3E}">
         <p14:creationId xmlns:p14="http://schemas.microsoft.com/office/powerpoint/2010/main" val="2317451335"/>
+      </p:ext>
+    </p:extLst>
+  </p:cSld>
+  <p:clrMapOvr>
+    <a:masterClrMapping/>
+  </p:clrMapOvr>
+</p:sld>
+</file>
+
+<file path=ppt/slides/slide43.xml><?xml version="1.0" encoding="utf-8"?>
+<p:sld xmlns:a="http://schemas.openxmlformats.org/drawingml/2006/main" xmlns:r="http://schemas.openxmlformats.org/officeDocument/2006/relationships" xmlns:p="http://schemas.openxmlformats.org/presentationml/2006/main">
+  <p:cSld>
+    <p:spTree>
+      <p:nvGrpSpPr>
+        <p:cNvPr id="1" name=""/>
+        <p:cNvGrpSpPr/>
+        <p:nvPr/>
+      </p:nvGrpSpPr>
+      <p:grpSpPr>
+        <a:xfrm>
+          <a:off x="0" y="0"/>
+          <a:ext cx="0" cy="0"/>
+          <a:chOff x="0" y="0"/>
+          <a:chExt cx="0" cy="0"/>
+        </a:xfrm>
+      </p:grpSpPr>
+      <p:sp>
+        <p:nvSpPr>
+          <p:cNvPr id="5" name="Oval 4"/>
+          <p:cNvSpPr/>
+          <p:nvPr/>
+        </p:nvSpPr>
+        <p:spPr>
+          <a:xfrm>
+            <a:off x="3222631" y="915807"/>
+            <a:ext cx="481181" cy="481181"/>
+          </a:xfrm>
+          <a:prstGeom prst="ellipse">
+            <a:avLst/>
+          </a:prstGeom>
+          <a:solidFill>
+            <a:schemeClr val="tx1"/>
+          </a:solidFill>
+          <a:ln>
+            <a:noFill/>
+          </a:ln>
+          <a:effectLst/>
+        </p:spPr>
+        <p:style>
+          <a:lnRef idx="1">
+            <a:schemeClr val="accent1"/>
+          </a:lnRef>
+          <a:fillRef idx="3">
+            <a:schemeClr val="accent1"/>
+          </a:fillRef>
+          <a:effectRef idx="2">
+            <a:schemeClr val="accent1"/>
+          </a:effectRef>
+          <a:fontRef idx="minor">
+            <a:schemeClr val="lt1"/>
+          </a:fontRef>
+        </p:style>
+        <p:txBody>
+          <a:bodyPr rtlCol="0" anchor="ctr"/>
+          <a:lstStyle/>
+          <a:p>
+            <a:pPr algn="ctr"/>
+            <a:endParaRPr lang="en-US"/>
+          </a:p>
+        </p:txBody>
+      </p:sp>
+      <p:sp>
+        <p:nvSpPr>
+          <p:cNvPr id="9" name="Rounded Rectangle 8"/>
+          <p:cNvSpPr/>
+          <p:nvPr/>
+        </p:nvSpPr>
+        <p:spPr>
+          <a:xfrm>
+            <a:off x="2844523" y="1680231"/>
+            <a:ext cx="1243476" cy="514266"/>
+          </a:xfrm>
+          <a:prstGeom prst="roundRect">
+            <a:avLst/>
+          </a:prstGeom>
+          <a:solidFill>
+            <a:schemeClr val="bg1"/>
+          </a:solidFill>
+          <a:ln>
+            <a:solidFill>
+              <a:schemeClr val="tx1"/>
+            </a:solidFill>
+          </a:ln>
+          <a:effectLst/>
+        </p:spPr>
+        <p:style>
+          <a:lnRef idx="1">
+            <a:schemeClr val="accent1"/>
+          </a:lnRef>
+          <a:fillRef idx="3">
+            <a:schemeClr val="accent1"/>
+          </a:fillRef>
+          <a:effectRef idx="2">
+            <a:schemeClr val="accent1"/>
+          </a:effectRef>
+          <a:fontRef idx="minor">
+            <a:schemeClr val="lt1"/>
+          </a:fontRef>
+        </p:style>
+        <p:txBody>
+          <a:bodyPr rtlCol="0" anchor="ctr"/>
+          <a:lstStyle/>
+          <a:p>
+            <a:pPr algn="ctr"/>
+            <a:r>
+              <a:rPr lang="en-US" sz="1400" dirty="0" smtClean="0">
+                <a:solidFill>
+                  <a:schemeClr val="tx1"/>
+                </a:solidFill>
+              </a:rPr>
+              <a:t>Select profile link</a:t>
+            </a:r>
+            <a:endParaRPr lang="en-US" sz="1400" dirty="0">
+              <a:solidFill>
+                <a:schemeClr val="tx1"/>
+              </a:solidFill>
+            </a:endParaRPr>
+          </a:p>
+        </p:txBody>
+      </p:sp>
+      <p:cxnSp>
+        <p:nvCxnSpPr>
+          <p:cNvPr id="20" name="Straight Arrow Connector 19"/>
+          <p:cNvCxnSpPr>
+            <a:stCxn id="5" idx="4"/>
+            <a:endCxn id="9" idx="0"/>
+          </p:cNvCxnSpPr>
+          <p:nvPr/>
+        </p:nvCxnSpPr>
+        <p:spPr>
+          <a:xfrm>
+            <a:off x="3463222" y="1396988"/>
+            <a:ext cx="3039" cy="283243"/>
+          </a:xfrm>
+          <a:prstGeom prst="straightConnector1">
+            <a:avLst/>
+          </a:prstGeom>
+          <a:ln>
+            <a:solidFill>
+              <a:schemeClr val="tx1"/>
+            </a:solidFill>
+            <a:tailEnd type="arrow"/>
+          </a:ln>
+          <a:effectLst/>
+        </p:spPr>
+        <p:style>
+          <a:lnRef idx="2">
+            <a:schemeClr val="accent1"/>
+          </a:lnRef>
+          <a:fillRef idx="0">
+            <a:schemeClr val="accent1"/>
+          </a:fillRef>
+          <a:effectRef idx="1">
+            <a:schemeClr val="accent1"/>
+          </a:effectRef>
+          <a:fontRef idx="minor">
+            <a:schemeClr val="tx1"/>
+          </a:fontRef>
+        </p:style>
+      </p:cxnSp>
+      <p:cxnSp>
+        <p:nvCxnSpPr>
+          <p:cNvPr id="24" name="Straight Arrow Connector 23"/>
+          <p:cNvCxnSpPr>
+            <a:stCxn id="9" idx="2"/>
+            <a:endCxn id="12" idx="0"/>
+          </p:cNvCxnSpPr>
+          <p:nvPr/>
+        </p:nvCxnSpPr>
+        <p:spPr>
+          <a:xfrm>
+            <a:off x="3466261" y="2194497"/>
+            <a:ext cx="7375" cy="272312"/>
+          </a:xfrm>
+          <a:prstGeom prst="straightConnector1">
+            <a:avLst/>
+          </a:prstGeom>
+          <a:ln>
+            <a:solidFill>
+              <a:schemeClr val="tx1"/>
+            </a:solidFill>
+            <a:tailEnd type="arrow"/>
+          </a:ln>
+          <a:effectLst/>
+        </p:spPr>
+        <p:style>
+          <a:lnRef idx="2">
+            <a:schemeClr val="accent1"/>
+          </a:lnRef>
+          <a:fillRef idx="0">
+            <a:schemeClr val="accent1"/>
+          </a:fillRef>
+          <a:effectRef idx="1">
+            <a:schemeClr val="accent1"/>
+          </a:effectRef>
+          <a:fontRef idx="minor">
+            <a:schemeClr val="tx1"/>
+          </a:fontRef>
+        </p:style>
+      </p:cxnSp>
+      <p:cxnSp>
+        <p:nvCxnSpPr>
+          <p:cNvPr id="42" name="Straight Arrow Connector 41"/>
+          <p:cNvCxnSpPr>
+            <a:endCxn id="13" idx="0"/>
+          </p:cNvCxnSpPr>
+          <p:nvPr/>
+        </p:nvCxnSpPr>
+        <p:spPr>
+          <a:xfrm>
+            <a:off x="3465257" y="4198625"/>
+            <a:ext cx="9383" cy="415029"/>
+          </a:xfrm>
+          <a:prstGeom prst="straightConnector1">
+            <a:avLst/>
+          </a:prstGeom>
+          <a:ln>
+            <a:solidFill>
+              <a:schemeClr val="tx1"/>
+            </a:solidFill>
+            <a:tailEnd type="arrow"/>
+          </a:ln>
+          <a:effectLst/>
+        </p:spPr>
+        <p:style>
+          <a:lnRef idx="2">
+            <a:schemeClr val="accent1"/>
+          </a:lnRef>
+          <a:fillRef idx="0">
+            <a:schemeClr val="accent1"/>
+          </a:fillRef>
+          <a:effectRef idx="1">
+            <a:schemeClr val="accent1"/>
+          </a:effectRef>
+          <a:fontRef idx="minor">
+            <a:schemeClr val="tx1"/>
+          </a:fontRef>
+        </p:style>
+      </p:cxnSp>
+      <p:sp>
+        <p:nvSpPr>
+          <p:cNvPr id="11" name="Rounded Rectangle 10"/>
+          <p:cNvSpPr/>
+          <p:nvPr/>
+        </p:nvSpPr>
+        <p:spPr>
+          <a:xfrm>
+            <a:off x="2546470" y="3529766"/>
+            <a:ext cx="1837573" cy="817028"/>
+          </a:xfrm>
+          <a:prstGeom prst="roundRect">
+            <a:avLst/>
+          </a:prstGeom>
+          <a:solidFill>
+            <a:schemeClr val="bg1"/>
+          </a:solidFill>
+          <a:ln>
+            <a:solidFill>
+              <a:schemeClr val="tx1"/>
+            </a:solidFill>
+          </a:ln>
+          <a:effectLst/>
+        </p:spPr>
+        <p:style>
+          <a:lnRef idx="1">
+            <a:schemeClr val="accent1"/>
+          </a:lnRef>
+          <a:fillRef idx="3">
+            <a:schemeClr val="accent1"/>
+          </a:fillRef>
+          <a:effectRef idx="2">
+            <a:schemeClr val="accent1"/>
+          </a:effectRef>
+          <a:fontRef idx="minor">
+            <a:schemeClr val="lt1"/>
+          </a:fontRef>
+        </p:style>
+        <p:txBody>
+          <a:bodyPr rtlCol="0" anchor="ctr"/>
+          <a:lstStyle/>
+          <a:p>
+            <a:pPr algn="ctr"/>
+            <a:r>
+              <a:rPr lang="en-US" sz="1400" dirty="0" smtClean="0">
+                <a:solidFill>
+                  <a:schemeClr val="tx1"/>
+                </a:solidFill>
+              </a:rPr>
+              <a:t>Display blogger’s information and tutorials</a:t>
+            </a:r>
+            <a:endParaRPr lang="en-US" sz="1400" dirty="0">
+              <a:solidFill>
+                <a:schemeClr val="tx1"/>
+              </a:solidFill>
+            </a:endParaRPr>
+          </a:p>
+        </p:txBody>
+      </p:sp>
+      <p:sp>
+        <p:nvSpPr>
+          <p:cNvPr id="12" name="Rounded Rectangle 11"/>
+          <p:cNvSpPr/>
+          <p:nvPr/>
+        </p:nvSpPr>
+        <p:spPr>
+          <a:xfrm>
+            <a:off x="2649324" y="2466809"/>
+            <a:ext cx="1648623" cy="817028"/>
+          </a:xfrm>
+          <a:prstGeom prst="roundRect">
+            <a:avLst/>
+          </a:prstGeom>
+          <a:solidFill>
+            <a:schemeClr val="bg1"/>
+          </a:solidFill>
+          <a:ln>
+            <a:solidFill>
+              <a:schemeClr val="tx1"/>
+            </a:solidFill>
+          </a:ln>
+          <a:effectLst/>
+        </p:spPr>
+        <p:style>
+          <a:lnRef idx="1">
+            <a:schemeClr val="accent1"/>
+          </a:lnRef>
+          <a:fillRef idx="3">
+            <a:schemeClr val="accent1"/>
+          </a:fillRef>
+          <a:effectRef idx="2">
+            <a:schemeClr val="accent1"/>
+          </a:effectRef>
+          <a:fontRef idx="minor">
+            <a:schemeClr val="lt1"/>
+          </a:fontRef>
+        </p:style>
+        <p:txBody>
+          <a:bodyPr rtlCol="0" anchor="ctr"/>
+          <a:lstStyle/>
+          <a:p>
+            <a:pPr algn="ctr"/>
+            <a:r>
+              <a:rPr lang="en-US" sz="1400" dirty="0" smtClean="0">
+                <a:solidFill>
+                  <a:schemeClr val="tx1"/>
+                </a:solidFill>
+              </a:rPr>
+              <a:t>Go to blogger’s profile page</a:t>
+            </a:r>
+            <a:endParaRPr lang="en-US" sz="1400" dirty="0">
+              <a:solidFill>
+                <a:schemeClr val="tx1"/>
+              </a:solidFill>
+            </a:endParaRPr>
+          </a:p>
+        </p:txBody>
+      </p:sp>
+      <p:cxnSp>
+        <p:nvCxnSpPr>
+          <p:cNvPr id="14" name="Straight Arrow Connector 13"/>
+          <p:cNvCxnSpPr>
+            <a:stCxn id="12" idx="2"/>
+            <a:endCxn id="11" idx="0"/>
+          </p:cNvCxnSpPr>
+          <p:nvPr/>
+        </p:nvCxnSpPr>
+        <p:spPr>
+          <a:xfrm flipH="1">
+            <a:off x="3465257" y="3283837"/>
+            <a:ext cx="8379" cy="245929"/>
+          </a:xfrm>
+          <a:prstGeom prst="straightConnector1">
+            <a:avLst/>
+          </a:prstGeom>
+          <a:ln>
+            <a:solidFill>
+              <a:schemeClr val="tx1"/>
+            </a:solidFill>
+            <a:tailEnd type="arrow"/>
+          </a:ln>
+          <a:effectLst/>
+        </p:spPr>
+        <p:style>
+          <a:lnRef idx="2">
+            <a:schemeClr val="accent1"/>
+          </a:lnRef>
+          <a:fillRef idx="0">
+            <a:schemeClr val="accent1"/>
+          </a:fillRef>
+          <a:effectRef idx="1">
+            <a:schemeClr val="accent1"/>
+          </a:effectRef>
+          <a:fontRef idx="minor">
+            <a:schemeClr val="tx1"/>
+          </a:fontRef>
+        </p:style>
+      </p:cxnSp>
+      <p:sp>
+        <p:nvSpPr>
+          <p:cNvPr id="13" name="Rounded Rectangle 12"/>
+          <p:cNvSpPr/>
+          <p:nvPr/>
+        </p:nvSpPr>
+        <p:spPr>
+          <a:xfrm>
+            <a:off x="2852902" y="4613654"/>
+            <a:ext cx="1243476" cy="514266"/>
+          </a:xfrm>
+          <a:prstGeom prst="roundRect">
+            <a:avLst/>
+          </a:prstGeom>
+          <a:solidFill>
+            <a:schemeClr val="bg1"/>
+          </a:solidFill>
+          <a:ln>
+            <a:solidFill>
+              <a:schemeClr val="tx1"/>
+            </a:solidFill>
+          </a:ln>
+          <a:effectLst/>
+        </p:spPr>
+        <p:style>
+          <a:lnRef idx="1">
+            <a:schemeClr val="accent1"/>
+          </a:lnRef>
+          <a:fillRef idx="3">
+            <a:schemeClr val="accent1"/>
+          </a:fillRef>
+          <a:effectRef idx="2">
+            <a:schemeClr val="accent1"/>
+          </a:effectRef>
+          <a:fontRef idx="minor">
+            <a:schemeClr val="lt1"/>
+          </a:fontRef>
+        </p:style>
+        <p:txBody>
+          <a:bodyPr rtlCol="0" anchor="ctr"/>
+          <a:lstStyle/>
+          <a:p>
+            <a:pPr algn="ctr"/>
+            <a:r>
+              <a:rPr lang="en-US" sz="1400" dirty="0" smtClean="0">
+                <a:solidFill>
+                  <a:schemeClr val="tx1"/>
+                </a:solidFill>
+              </a:rPr>
+              <a:t>Select a tutorial</a:t>
+            </a:r>
+            <a:endParaRPr lang="en-US" sz="1400" dirty="0">
+              <a:solidFill>
+                <a:schemeClr val="tx1"/>
+              </a:solidFill>
+            </a:endParaRPr>
+          </a:p>
+        </p:txBody>
+      </p:sp>
+      <p:cxnSp>
+        <p:nvCxnSpPr>
+          <p:cNvPr id="15" name="Straight Arrow Connector 14"/>
+          <p:cNvCxnSpPr>
+            <a:stCxn id="13" idx="2"/>
+            <a:endCxn id="17" idx="0"/>
+          </p:cNvCxnSpPr>
+          <p:nvPr/>
+        </p:nvCxnSpPr>
+        <p:spPr>
+          <a:xfrm>
+            <a:off x="3474640" y="5127920"/>
+            <a:ext cx="7375" cy="272312"/>
+          </a:xfrm>
+          <a:prstGeom prst="straightConnector1">
+            <a:avLst/>
+          </a:prstGeom>
+          <a:ln>
+            <a:solidFill>
+              <a:schemeClr val="tx1"/>
+            </a:solidFill>
+            <a:tailEnd type="arrow"/>
+          </a:ln>
+          <a:effectLst/>
+        </p:spPr>
+        <p:style>
+          <a:lnRef idx="2">
+            <a:schemeClr val="accent1"/>
+          </a:lnRef>
+          <a:fillRef idx="0">
+            <a:schemeClr val="accent1"/>
+          </a:fillRef>
+          <a:effectRef idx="1">
+            <a:schemeClr val="accent1"/>
+          </a:effectRef>
+          <a:fontRef idx="minor">
+            <a:schemeClr val="tx1"/>
+          </a:fontRef>
+        </p:style>
+      </p:cxnSp>
+      <p:sp>
+        <p:nvSpPr>
+          <p:cNvPr id="16" name="Rounded Rectangle 15"/>
+          <p:cNvSpPr/>
+          <p:nvPr/>
+        </p:nvSpPr>
+        <p:spPr>
+          <a:xfrm>
+            <a:off x="2576016" y="6505526"/>
+            <a:ext cx="1837573" cy="817028"/>
+          </a:xfrm>
+          <a:prstGeom prst="roundRect">
+            <a:avLst/>
+          </a:prstGeom>
+          <a:solidFill>
+            <a:schemeClr val="bg1"/>
+          </a:solidFill>
+          <a:ln>
+            <a:solidFill>
+              <a:schemeClr val="tx1"/>
+            </a:solidFill>
+          </a:ln>
+          <a:effectLst/>
+        </p:spPr>
+        <p:style>
+          <a:lnRef idx="1">
+            <a:schemeClr val="accent1"/>
+          </a:lnRef>
+          <a:fillRef idx="3">
+            <a:schemeClr val="accent1"/>
+          </a:fillRef>
+          <a:effectRef idx="2">
+            <a:schemeClr val="accent1"/>
+          </a:effectRef>
+          <a:fontRef idx="minor">
+            <a:schemeClr val="lt1"/>
+          </a:fontRef>
+        </p:style>
+        <p:txBody>
+          <a:bodyPr rtlCol="0" anchor="ctr"/>
+          <a:lstStyle/>
+          <a:p>
+            <a:pPr algn="ctr"/>
+            <a:r>
+              <a:rPr lang="en-US" sz="1400" dirty="0" smtClean="0">
+                <a:solidFill>
+                  <a:schemeClr val="tx1"/>
+                </a:solidFill>
+              </a:rPr>
+              <a:t>Display information of the tutorial</a:t>
+            </a:r>
+            <a:endParaRPr lang="en-US" sz="1400" dirty="0">
+              <a:solidFill>
+                <a:schemeClr val="tx1"/>
+              </a:solidFill>
+            </a:endParaRPr>
+          </a:p>
+        </p:txBody>
+      </p:sp>
+      <p:sp>
+        <p:nvSpPr>
+          <p:cNvPr id="17" name="Rounded Rectangle 16"/>
+          <p:cNvSpPr/>
+          <p:nvPr/>
+        </p:nvSpPr>
+        <p:spPr>
+          <a:xfrm>
+            <a:off x="2657703" y="5400232"/>
+            <a:ext cx="1648623" cy="817028"/>
+          </a:xfrm>
+          <a:prstGeom prst="roundRect">
+            <a:avLst/>
+          </a:prstGeom>
+          <a:solidFill>
+            <a:schemeClr val="bg1"/>
+          </a:solidFill>
+          <a:ln>
+            <a:solidFill>
+              <a:schemeClr val="tx1"/>
+            </a:solidFill>
+          </a:ln>
+          <a:effectLst/>
+        </p:spPr>
+        <p:style>
+          <a:lnRef idx="1">
+            <a:schemeClr val="accent1"/>
+          </a:lnRef>
+          <a:fillRef idx="3">
+            <a:schemeClr val="accent1"/>
+          </a:fillRef>
+          <a:effectRef idx="2">
+            <a:schemeClr val="accent1"/>
+          </a:effectRef>
+          <a:fontRef idx="minor">
+            <a:schemeClr val="lt1"/>
+          </a:fontRef>
+        </p:style>
+        <p:txBody>
+          <a:bodyPr rtlCol="0" anchor="ctr"/>
+          <a:lstStyle/>
+          <a:p>
+            <a:pPr algn="ctr"/>
+            <a:r>
+              <a:rPr lang="en-US" sz="1400" dirty="0" smtClean="0">
+                <a:solidFill>
+                  <a:schemeClr val="tx1"/>
+                </a:solidFill>
+              </a:rPr>
+              <a:t>Go to tutorial detail page</a:t>
+            </a:r>
+            <a:endParaRPr lang="en-US" sz="1400" dirty="0">
+              <a:solidFill>
+                <a:schemeClr val="tx1"/>
+              </a:solidFill>
+            </a:endParaRPr>
+          </a:p>
+        </p:txBody>
+      </p:sp>
+      <p:cxnSp>
+        <p:nvCxnSpPr>
+          <p:cNvPr id="18" name="Straight Arrow Connector 17"/>
+          <p:cNvCxnSpPr>
+            <a:stCxn id="17" idx="2"/>
+            <a:endCxn id="16" idx="0"/>
+          </p:cNvCxnSpPr>
+          <p:nvPr/>
+        </p:nvCxnSpPr>
+        <p:spPr>
+          <a:xfrm>
+            <a:off x="3482015" y="6217260"/>
+            <a:ext cx="12788" cy="288266"/>
+          </a:xfrm>
+          <a:prstGeom prst="straightConnector1">
+            <a:avLst/>
+          </a:prstGeom>
+          <a:ln>
+            <a:solidFill>
+              <a:schemeClr val="tx1"/>
+            </a:solidFill>
+            <a:tailEnd type="arrow"/>
+          </a:ln>
+          <a:effectLst/>
+        </p:spPr>
+        <p:style>
+          <a:lnRef idx="2">
+            <a:schemeClr val="accent1"/>
+          </a:lnRef>
+          <a:fillRef idx="0">
+            <a:schemeClr val="accent1"/>
+          </a:fillRef>
+          <a:effectRef idx="1">
+            <a:schemeClr val="accent1"/>
+          </a:effectRef>
+          <a:fontRef idx="minor">
+            <a:schemeClr val="tx1"/>
+          </a:fontRef>
+        </p:style>
+      </p:cxnSp>
+      <p:sp>
+        <p:nvSpPr>
+          <p:cNvPr id="19" name="Oval 18"/>
+          <p:cNvSpPr/>
+          <p:nvPr/>
+        </p:nvSpPr>
+        <p:spPr>
+          <a:xfrm>
+            <a:off x="3192894" y="7686872"/>
+            <a:ext cx="590939" cy="590939"/>
+          </a:xfrm>
+          <a:prstGeom prst="ellipse">
+            <a:avLst/>
+          </a:prstGeom>
+          <a:solidFill>
+            <a:schemeClr val="bg1"/>
+          </a:solidFill>
+          <a:ln>
+            <a:solidFill>
+              <a:schemeClr val="tx1"/>
+            </a:solidFill>
+          </a:ln>
+          <a:effectLst/>
+        </p:spPr>
+        <p:style>
+          <a:lnRef idx="1">
+            <a:schemeClr val="accent1"/>
+          </a:lnRef>
+          <a:fillRef idx="3">
+            <a:schemeClr val="accent1"/>
+          </a:fillRef>
+          <a:effectRef idx="2">
+            <a:schemeClr val="accent1"/>
+          </a:effectRef>
+          <a:fontRef idx="minor">
+            <a:schemeClr val="lt1"/>
+          </a:fontRef>
+        </p:style>
+        <p:txBody>
+          <a:bodyPr rtlCol="0" anchor="ctr"/>
+          <a:lstStyle/>
+          <a:p>
+            <a:pPr algn="ctr"/>
+            <a:endParaRPr lang="en-US"/>
+          </a:p>
+        </p:txBody>
+      </p:sp>
+      <p:sp>
+        <p:nvSpPr>
+          <p:cNvPr id="21" name="Oval 20"/>
+          <p:cNvSpPr/>
+          <p:nvPr/>
+        </p:nvSpPr>
+        <p:spPr>
+          <a:xfrm>
+            <a:off x="3326688" y="7814021"/>
+            <a:ext cx="315402" cy="315402"/>
+          </a:xfrm>
+          <a:prstGeom prst="ellipse">
+            <a:avLst/>
+          </a:prstGeom>
+          <a:solidFill>
+            <a:schemeClr val="tx1"/>
+          </a:solidFill>
+          <a:ln>
+            <a:noFill/>
+          </a:ln>
+          <a:effectLst/>
+        </p:spPr>
+        <p:style>
+          <a:lnRef idx="1">
+            <a:schemeClr val="accent1"/>
+          </a:lnRef>
+          <a:fillRef idx="3">
+            <a:schemeClr val="accent1"/>
+          </a:fillRef>
+          <a:effectRef idx="2">
+            <a:schemeClr val="accent1"/>
+          </a:effectRef>
+          <a:fontRef idx="minor">
+            <a:schemeClr val="lt1"/>
+          </a:fontRef>
+        </p:style>
+        <p:txBody>
+          <a:bodyPr rtlCol="0" anchor="ctr"/>
+          <a:lstStyle/>
+          <a:p>
+            <a:pPr algn="ctr"/>
+            <a:endParaRPr lang="en-US"/>
+          </a:p>
+        </p:txBody>
+      </p:sp>
+      <p:cxnSp>
+        <p:nvCxnSpPr>
+          <p:cNvPr id="22" name="Straight Arrow Connector 21"/>
+          <p:cNvCxnSpPr>
+            <a:stCxn id="16" idx="2"/>
+            <a:endCxn id="19" idx="0"/>
+          </p:cNvCxnSpPr>
+          <p:nvPr/>
+        </p:nvCxnSpPr>
+        <p:spPr>
+          <a:xfrm flipH="1">
+            <a:off x="3488364" y="7322554"/>
+            <a:ext cx="6439" cy="364318"/>
+          </a:xfrm>
+          <a:prstGeom prst="straightConnector1">
+            <a:avLst/>
+          </a:prstGeom>
+          <a:ln>
+            <a:solidFill>
+              <a:schemeClr val="tx1"/>
+            </a:solidFill>
+            <a:tailEnd type="arrow"/>
+          </a:ln>
+          <a:effectLst/>
+        </p:spPr>
+        <p:style>
+          <a:lnRef idx="2">
+            <a:schemeClr val="accent1"/>
+          </a:lnRef>
+          <a:fillRef idx="0">
+            <a:schemeClr val="accent1"/>
+          </a:fillRef>
+          <a:effectRef idx="1">
+            <a:schemeClr val="accent1"/>
+          </a:effectRef>
+          <a:fontRef idx="minor">
+            <a:schemeClr val="tx1"/>
+          </a:fontRef>
+        </p:style>
+      </p:cxnSp>
+    </p:spTree>
+    <p:extLst>
+      <p:ext uri="{BB962C8B-B14F-4D97-AF65-F5344CB8AC3E}">
+        <p14:creationId xmlns:p14="http://schemas.microsoft.com/office/powerpoint/2010/main" val="3823290330"/>
+      </p:ext>
+    </p:extLst>
+  </p:cSld>
+  <p:clrMapOvr>
+    <a:masterClrMapping/>
+  </p:clrMapOvr>
+</p:sld>
+</file>
+
+<file path=ppt/slides/slide44.xml><?xml version="1.0" encoding="utf-8"?>
+<p:sld xmlns:a="http://schemas.openxmlformats.org/drawingml/2006/main" xmlns:r="http://schemas.openxmlformats.org/officeDocument/2006/relationships" xmlns:p="http://schemas.openxmlformats.org/presentationml/2006/main">
+  <p:cSld>
+    <p:spTree>
+      <p:nvGrpSpPr>
+        <p:cNvPr id="1" name=""/>
+        <p:cNvGrpSpPr/>
+        <p:nvPr/>
+      </p:nvGrpSpPr>
+      <p:grpSpPr>
+        <a:xfrm>
+          <a:off x="0" y="0"/>
+          <a:ext cx="0" cy="0"/>
+          <a:chOff x="0" y="0"/>
+          <a:chExt cx="0" cy="0"/>
+        </a:xfrm>
+      </p:grpSpPr>
+      <p:sp>
+        <p:nvSpPr>
+          <p:cNvPr id="5" name="Oval 4"/>
+          <p:cNvSpPr/>
+          <p:nvPr/>
+        </p:nvSpPr>
+        <p:spPr>
+          <a:xfrm>
+            <a:off x="3222631" y="915807"/>
+            <a:ext cx="481181" cy="481181"/>
+          </a:xfrm>
+          <a:prstGeom prst="ellipse">
+            <a:avLst/>
+          </a:prstGeom>
+          <a:solidFill>
+            <a:schemeClr val="tx1"/>
+          </a:solidFill>
+          <a:ln>
+            <a:noFill/>
+          </a:ln>
+          <a:effectLst/>
+        </p:spPr>
+        <p:style>
+          <a:lnRef idx="1">
+            <a:schemeClr val="accent1"/>
+          </a:lnRef>
+          <a:fillRef idx="3">
+            <a:schemeClr val="accent1"/>
+          </a:fillRef>
+          <a:effectRef idx="2">
+            <a:schemeClr val="accent1"/>
+          </a:effectRef>
+          <a:fontRef idx="minor">
+            <a:schemeClr val="lt1"/>
+          </a:fontRef>
+        </p:style>
+        <p:txBody>
+          <a:bodyPr rtlCol="0" anchor="ctr"/>
+          <a:lstStyle/>
+          <a:p>
+            <a:pPr algn="ctr"/>
+            <a:endParaRPr lang="en-US"/>
+          </a:p>
+        </p:txBody>
+      </p:sp>
+      <p:sp>
+        <p:nvSpPr>
+          <p:cNvPr id="9" name="Rounded Rectangle 8"/>
+          <p:cNvSpPr/>
+          <p:nvPr/>
+        </p:nvSpPr>
+        <p:spPr>
+          <a:xfrm>
+            <a:off x="2844523" y="1680231"/>
+            <a:ext cx="1243476" cy="514266"/>
+          </a:xfrm>
+          <a:prstGeom prst="roundRect">
+            <a:avLst/>
+          </a:prstGeom>
+          <a:solidFill>
+            <a:schemeClr val="bg1"/>
+          </a:solidFill>
+          <a:ln>
+            <a:solidFill>
+              <a:schemeClr val="tx1"/>
+            </a:solidFill>
+          </a:ln>
+          <a:effectLst/>
+        </p:spPr>
+        <p:style>
+          <a:lnRef idx="1">
+            <a:schemeClr val="accent1"/>
+          </a:lnRef>
+          <a:fillRef idx="3">
+            <a:schemeClr val="accent1"/>
+          </a:fillRef>
+          <a:effectRef idx="2">
+            <a:schemeClr val="accent1"/>
+          </a:effectRef>
+          <a:fontRef idx="minor">
+            <a:schemeClr val="lt1"/>
+          </a:fontRef>
+        </p:style>
+        <p:txBody>
+          <a:bodyPr rtlCol="0" anchor="ctr"/>
+          <a:lstStyle/>
+          <a:p>
+            <a:pPr algn="ctr"/>
+            <a:r>
+              <a:rPr lang="en-US" sz="1400" dirty="0" smtClean="0">
+                <a:solidFill>
+                  <a:schemeClr val="tx1"/>
+                </a:solidFill>
+              </a:rPr>
+              <a:t>Select profile link</a:t>
+            </a:r>
+            <a:endParaRPr lang="en-US" sz="1400" dirty="0">
+              <a:solidFill>
+                <a:schemeClr val="tx1"/>
+              </a:solidFill>
+            </a:endParaRPr>
+          </a:p>
+        </p:txBody>
+      </p:sp>
+      <p:cxnSp>
+        <p:nvCxnSpPr>
+          <p:cNvPr id="20" name="Straight Arrow Connector 19"/>
+          <p:cNvCxnSpPr>
+            <a:stCxn id="5" idx="4"/>
+            <a:endCxn id="9" idx="0"/>
+          </p:cNvCxnSpPr>
+          <p:nvPr/>
+        </p:nvCxnSpPr>
+        <p:spPr>
+          <a:xfrm>
+            <a:off x="3463222" y="1396988"/>
+            <a:ext cx="3039" cy="283243"/>
+          </a:xfrm>
+          <a:prstGeom prst="straightConnector1">
+            <a:avLst/>
+          </a:prstGeom>
+          <a:ln>
+            <a:solidFill>
+              <a:schemeClr val="tx1"/>
+            </a:solidFill>
+            <a:tailEnd type="arrow"/>
+          </a:ln>
+          <a:effectLst/>
+        </p:spPr>
+        <p:style>
+          <a:lnRef idx="2">
+            <a:schemeClr val="accent1"/>
+          </a:lnRef>
+          <a:fillRef idx="0">
+            <a:schemeClr val="accent1"/>
+          </a:fillRef>
+          <a:effectRef idx="1">
+            <a:schemeClr val="accent1"/>
+          </a:effectRef>
+          <a:fontRef idx="minor">
+            <a:schemeClr val="tx1"/>
+          </a:fontRef>
+        </p:style>
+      </p:cxnSp>
+      <p:cxnSp>
+        <p:nvCxnSpPr>
+          <p:cNvPr id="24" name="Straight Arrow Connector 23"/>
+          <p:cNvCxnSpPr>
+            <a:stCxn id="9" idx="2"/>
+            <a:endCxn id="12" idx="0"/>
+          </p:cNvCxnSpPr>
+          <p:nvPr/>
+        </p:nvCxnSpPr>
+        <p:spPr>
+          <a:xfrm>
+            <a:off x="3466261" y="2194497"/>
+            <a:ext cx="8379" cy="272312"/>
+          </a:xfrm>
+          <a:prstGeom prst="straightConnector1">
+            <a:avLst/>
+          </a:prstGeom>
+          <a:ln>
+            <a:solidFill>
+              <a:schemeClr val="tx1"/>
+            </a:solidFill>
+            <a:tailEnd type="arrow"/>
+          </a:ln>
+          <a:effectLst/>
+        </p:spPr>
+        <p:style>
+          <a:lnRef idx="2">
+            <a:schemeClr val="accent1"/>
+          </a:lnRef>
+          <a:fillRef idx="0">
+            <a:schemeClr val="accent1"/>
+          </a:fillRef>
+          <a:effectRef idx="1">
+            <a:schemeClr val="accent1"/>
+          </a:effectRef>
+          <a:fontRef idx="minor">
+            <a:schemeClr val="tx1"/>
+          </a:fontRef>
+        </p:style>
+      </p:cxnSp>
+      <p:cxnSp>
+        <p:nvCxnSpPr>
+          <p:cNvPr id="42" name="Straight Arrow Connector 41"/>
+          <p:cNvCxnSpPr>
+            <a:endCxn id="13" idx="0"/>
+          </p:cNvCxnSpPr>
+          <p:nvPr/>
+        </p:nvCxnSpPr>
+        <p:spPr>
+          <a:xfrm>
+            <a:off x="3465257" y="4198625"/>
+            <a:ext cx="9383" cy="415029"/>
+          </a:xfrm>
+          <a:prstGeom prst="straightConnector1">
+            <a:avLst/>
+          </a:prstGeom>
+          <a:ln>
+            <a:solidFill>
+              <a:schemeClr val="tx1"/>
+            </a:solidFill>
+            <a:tailEnd type="arrow"/>
+          </a:ln>
+          <a:effectLst/>
+        </p:spPr>
+        <p:style>
+          <a:lnRef idx="2">
+            <a:schemeClr val="accent1"/>
+          </a:lnRef>
+          <a:fillRef idx="0">
+            <a:schemeClr val="accent1"/>
+          </a:fillRef>
+          <a:effectRef idx="1">
+            <a:schemeClr val="accent1"/>
+          </a:effectRef>
+          <a:fontRef idx="minor">
+            <a:schemeClr val="tx1"/>
+          </a:fontRef>
+        </p:style>
+      </p:cxnSp>
+      <p:sp>
+        <p:nvSpPr>
+          <p:cNvPr id="11" name="Rounded Rectangle 10"/>
+          <p:cNvSpPr/>
+          <p:nvPr/>
+        </p:nvSpPr>
+        <p:spPr>
+          <a:xfrm>
+            <a:off x="2365790" y="3516223"/>
+            <a:ext cx="2194863" cy="817028"/>
+          </a:xfrm>
+          <a:prstGeom prst="roundRect">
+            <a:avLst/>
+          </a:prstGeom>
+          <a:solidFill>
+            <a:schemeClr val="bg1"/>
+          </a:solidFill>
+          <a:ln>
+            <a:solidFill>
+              <a:schemeClr val="tx1"/>
+            </a:solidFill>
+          </a:ln>
+          <a:effectLst/>
+        </p:spPr>
+        <p:style>
+          <a:lnRef idx="1">
+            <a:schemeClr val="accent1"/>
+          </a:lnRef>
+          <a:fillRef idx="3">
+            <a:schemeClr val="accent1"/>
+          </a:fillRef>
+          <a:effectRef idx="2">
+            <a:schemeClr val="accent1"/>
+          </a:effectRef>
+          <a:fontRef idx="minor">
+            <a:schemeClr val="lt1"/>
+          </a:fontRef>
+        </p:style>
+        <p:txBody>
+          <a:bodyPr rtlCol="0" anchor="ctr"/>
+          <a:lstStyle/>
+          <a:p>
+            <a:pPr algn="ctr"/>
+            <a:r>
+              <a:rPr lang="en-US" sz="1400" dirty="0" smtClean="0">
+                <a:solidFill>
+                  <a:schemeClr val="tx1"/>
+                </a:solidFill>
+              </a:rPr>
+              <a:t>Display </a:t>
+            </a:r>
+            <a:r>
+              <a:rPr lang="en-US" sz="1400" dirty="0">
+                <a:solidFill>
+                  <a:schemeClr val="tx1"/>
+                </a:solidFill>
+              </a:rPr>
+              <a:t>shopkeeper’s </a:t>
+            </a:r>
+            <a:r>
+              <a:rPr lang="en-US" sz="1400" dirty="0" smtClean="0">
+                <a:solidFill>
+                  <a:schemeClr val="tx1"/>
+                </a:solidFill>
+              </a:rPr>
+              <a:t>information and </a:t>
+            </a:r>
+            <a:r>
+              <a:rPr lang="en-US" sz="1400" dirty="0" smtClean="0">
+                <a:solidFill>
+                  <a:schemeClr val="tx1"/>
+                </a:solidFill>
+              </a:rPr>
+              <a:t>shops</a:t>
+            </a:r>
+            <a:endParaRPr lang="en-US" sz="1400" dirty="0">
+              <a:solidFill>
+                <a:schemeClr val="tx1"/>
+              </a:solidFill>
+            </a:endParaRPr>
+          </a:p>
+        </p:txBody>
+      </p:sp>
+      <p:sp>
+        <p:nvSpPr>
+          <p:cNvPr id="12" name="Rounded Rectangle 11"/>
+          <p:cNvSpPr/>
+          <p:nvPr/>
+        </p:nvSpPr>
+        <p:spPr>
+          <a:xfrm>
+            <a:off x="2460385" y="2466809"/>
+            <a:ext cx="2028509" cy="817028"/>
+          </a:xfrm>
+          <a:prstGeom prst="roundRect">
+            <a:avLst/>
+          </a:prstGeom>
+          <a:solidFill>
+            <a:schemeClr val="bg1"/>
+          </a:solidFill>
+          <a:ln>
+            <a:solidFill>
+              <a:schemeClr val="tx1"/>
+            </a:solidFill>
+          </a:ln>
+          <a:effectLst/>
+        </p:spPr>
+        <p:style>
+          <a:lnRef idx="1">
+            <a:schemeClr val="accent1"/>
+          </a:lnRef>
+          <a:fillRef idx="3">
+            <a:schemeClr val="accent1"/>
+          </a:fillRef>
+          <a:effectRef idx="2">
+            <a:schemeClr val="accent1"/>
+          </a:effectRef>
+          <a:fontRef idx="minor">
+            <a:schemeClr val="lt1"/>
+          </a:fontRef>
+        </p:style>
+        <p:txBody>
+          <a:bodyPr rtlCol="0" anchor="ctr"/>
+          <a:lstStyle/>
+          <a:p>
+            <a:pPr algn="ctr"/>
+            <a:r>
+              <a:rPr lang="en-US" sz="1400" dirty="0" smtClean="0">
+                <a:solidFill>
+                  <a:schemeClr val="tx1"/>
+                </a:solidFill>
+              </a:rPr>
+              <a:t>Go to </a:t>
+            </a:r>
+            <a:r>
+              <a:rPr lang="en-US" sz="1400" dirty="0" smtClean="0">
+                <a:solidFill>
+                  <a:schemeClr val="tx1"/>
+                </a:solidFill>
+              </a:rPr>
+              <a:t>shopkeeper’s </a:t>
+            </a:r>
+            <a:r>
+              <a:rPr lang="en-US" sz="1400" dirty="0" smtClean="0">
+                <a:solidFill>
+                  <a:schemeClr val="tx1"/>
+                </a:solidFill>
+              </a:rPr>
+              <a:t>profile page</a:t>
+            </a:r>
+            <a:endParaRPr lang="en-US" sz="1400" dirty="0">
+              <a:solidFill>
+                <a:schemeClr val="tx1"/>
+              </a:solidFill>
+            </a:endParaRPr>
+          </a:p>
+        </p:txBody>
+      </p:sp>
+      <p:cxnSp>
+        <p:nvCxnSpPr>
+          <p:cNvPr id="14" name="Straight Arrow Connector 13"/>
+          <p:cNvCxnSpPr>
+            <a:stCxn id="12" idx="2"/>
+            <a:endCxn id="11" idx="0"/>
+          </p:cNvCxnSpPr>
+          <p:nvPr/>
+        </p:nvCxnSpPr>
+        <p:spPr>
+          <a:xfrm flipH="1">
+            <a:off x="3463222" y="3283837"/>
+            <a:ext cx="11418" cy="232386"/>
+          </a:xfrm>
+          <a:prstGeom prst="straightConnector1">
+            <a:avLst/>
+          </a:prstGeom>
+          <a:ln>
+            <a:solidFill>
+              <a:schemeClr val="tx1"/>
+            </a:solidFill>
+            <a:tailEnd type="arrow"/>
+          </a:ln>
+          <a:effectLst/>
+        </p:spPr>
+        <p:style>
+          <a:lnRef idx="2">
+            <a:schemeClr val="accent1"/>
+          </a:lnRef>
+          <a:fillRef idx="0">
+            <a:schemeClr val="accent1"/>
+          </a:fillRef>
+          <a:effectRef idx="1">
+            <a:schemeClr val="accent1"/>
+          </a:effectRef>
+          <a:fontRef idx="minor">
+            <a:schemeClr val="tx1"/>
+          </a:fontRef>
+        </p:style>
+      </p:cxnSp>
+      <p:sp>
+        <p:nvSpPr>
+          <p:cNvPr id="13" name="Rounded Rectangle 12"/>
+          <p:cNvSpPr/>
+          <p:nvPr/>
+        </p:nvSpPr>
+        <p:spPr>
+          <a:xfrm>
+            <a:off x="2852902" y="4613654"/>
+            <a:ext cx="1243476" cy="514266"/>
+          </a:xfrm>
+          <a:prstGeom prst="roundRect">
+            <a:avLst/>
+          </a:prstGeom>
+          <a:solidFill>
+            <a:schemeClr val="bg1"/>
+          </a:solidFill>
+          <a:ln>
+            <a:solidFill>
+              <a:schemeClr val="tx1"/>
+            </a:solidFill>
+          </a:ln>
+          <a:effectLst/>
+        </p:spPr>
+        <p:style>
+          <a:lnRef idx="1">
+            <a:schemeClr val="accent1"/>
+          </a:lnRef>
+          <a:fillRef idx="3">
+            <a:schemeClr val="accent1"/>
+          </a:fillRef>
+          <a:effectRef idx="2">
+            <a:schemeClr val="accent1"/>
+          </a:effectRef>
+          <a:fontRef idx="minor">
+            <a:schemeClr val="lt1"/>
+          </a:fontRef>
+        </p:style>
+        <p:txBody>
+          <a:bodyPr rtlCol="0" anchor="ctr"/>
+          <a:lstStyle/>
+          <a:p>
+            <a:pPr algn="ctr"/>
+            <a:r>
+              <a:rPr lang="en-US" sz="1400" dirty="0" smtClean="0">
+                <a:solidFill>
+                  <a:schemeClr val="tx1"/>
+                </a:solidFill>
+              </a:rPr>
+              <a:t>Select a </a:t>
+            </a:r>
+            <a:r>
+              <a:rPr lang="en-US" sz="1400" dirty="0" smtClean="0">
+                <a:solidFill>
+                  <a:schemeClr val="tx1"/>
+                </a:solidFill>
+              </a:rPr>
+              <a:t>shop</a:t>
+            </a:r>
+            <a:endParaRPr lang="en-US" sz="1400" dirty="0">
+              <a:solidFill>
+                <a:schemeClr val="tx1"/>
+              </a:solidFill>
+            </a:endParaRPr>
+          </a:p>
+        </p:txBody>
+      </p:sp>
+      <p:cxnSp>
+        <p:nvCxnSpPr>
+          <p:cNvPr id="15" name="Straight Arrow Connector 14"/>
+          <p:cNvCxnSpPr>
+            <a:stCxn id="13" idx="2"/>
+            <a:endCxn id="17" idx="0"/>
+          </p:cNvCxnSpPr>
+          <p:nvPr/>
+        </p:nvCxnSpPr>
+        <p:spPr>
+          <a:xfrm>
+            <a:off x="3474640" y="5127920"/>
+            <a:ext cx="7375" cy="272312"/>
+          </a:xfrm>
+          <a:prstGeom prst="straightConnector1">
+            <a:avLst/>
+          </a:prstGeom>
+          <a:ln>
+            <a:solidFill>
+              <a:schemeClr val="tx1"/>
+            </a:solidFill>
+            <a:tailEnd type="arrow"/>
+          </a:ln>
+          <a:effectLst/>
+        </p:spPr>
+        <p:style>
+          <a:lnRef idx="2">
+            <a:schemeClr val="accent1"/>
+          </a:lnRef>
+          <a:fillRef idx="0">
+            <a:schemeClr val="accent1"/>
+          </a:fillRef>
+          <a:effectRef idx="1">
+            <a:schemeClr val="accent1"/>
+          </a:effectRef>
+          <a:fontRef idx="minor">
+            <a:schemeClr val="tx1"/>
+          </a:fontRef>
+        </p:style>
+      </p:cxnSp>
+      <p:sp>
+        <p:nvSpPr>
+          <p:cNvPr id="16" name="Rounded Rectangle 15"/>
+          <p:cNvSpPr/>
+          <p:nvPr/>
+        </p:nvSpPr>
+        <p:spPr>
+          <a:xfrm>
+            <a:off x="2576016" y="6505526"/>
+            <a:ext cx="1837573" cy="817028"/>
+          </a:xfrm>
+          <a:prstGeom prst="roundRect">
+            <a:avLst/>
+          </a:prstGeom>
+          <a:solidFill>
+            <a:schemeClr val="bg1"/>
+          </a:solidFill>
+          <a:ln>
+            <a:solidFill>
+              <a:schemeClr val="tx1"/>
+            </a:solidFill>
+          </a:ln>
+          <a:effectLst/>
+        </p:spPr>
+        <p:style>
+          <a:lnRef idx="1">
+            <a:schemeClr val="accent1"/>
+          </a:lnRef>
+          <a:fillRef idx="3">
+            <a:schemeClr val="accent1"/>
+          </a:fillRef>
+          <a:effectRef idx="2">
+            <a:schemeClr val="accent1"/>
+          </a:effectRef>
+          <a:fontRef idx="minor">
+            <a:schemeClr val="lt1"/>
+          </a:fontRef>
+        </p:style>
+        <p:txBody>
+          <a:bodyPr rtlCol="0" anchor="ctr"/>
+          <a:lstStyle/>
+          <a:p>
+            <a:pPr algn="ctr"/>
+            <a:r>
+              <a:rPr lang="en-US" sz="1400" dirty="0" smtClean="0">
+                <a:solidFill>
+                  <a:schemeClr val="tx1"/>
+                </a:solidFill>
+              </a:rPr>
+              <a:t>Display information of the </a:t>
+            </a:r>
+            <a:r>
+              <a:rPr lang="en-US" sz="1400" dirty="0" smtClean="0">
+                <a:solidFill>
+                  <a:schemeClr val="tx1"/>
+                </a:solidFill>
+              </a:rPr>
+              <a:t>shop</a:t>
+            </a:r>
+            <a:endParaRPr lang="en-US" sz="1400" dirty="0">
+              <a:solidFill>
+                <a:schemeClr val="tx1"/>
+              </a:solidFill>
+            </a:endParaRPr>
+          </a:p>
+        </p:txBody>
+      </p:sp>
+      <p:sp>
+        <p:nvSpPr>
+          <p:cNvPr id="17" name="Rounded Rectangle 16"/>
+          <p:cNvSpPr/>
+          <p:nvPr/>
+        </p:nvSpPr>
+        <p:spPr>
+          <a:xfrm>
+            <a:off x="2657703" y="5400232"/>
+            <a:ext cx="1648623" cy="817028"/>
+          </a:xfrm>
+          <a:prstGeom prst="roundRect">
+            <a:avLst/>
+          </a:prstGeom>
+          <a:solidFill>
+            <a:schemeClr val="bg1"/>
+          </a:solidFill>
+          <a:ln>
+            <a:solidFill>
+              <a:schemeClr val="tx1"/>
+            </a:solidFill>
+          </a:ln>
+          <a:effectLst/>
+        </p:spPr>
+        <p:style>
+          <a:lnRef idx="1">
+            <a:schemeClr val="accent1"/>
+          </a:lnRef>
+          <a:fillRef idx="3">
+            <a:schemeClr val="accent1"/>
+          </a:fillRef>
+          <a:effectRef idx="2">
+            <a:schemeClr val="accent1"/>
+          </a:effectRef>
+          <a:fontRef idx="minor">
+            <a:schemeClr val="lt1"/>
+          </a:fontRef>
+        </p:style>
+        <p:txBody>
+          <a:bodyPr rtlCol="0" anchor="ctr"/>
+          <a:lstStyle/>
+          <a:p>
+            <a:pPr algn="ctr"/>
+            <a:r>
+              <a:rPr lang="en-US" sz="1400" dirty="0" smtClean="0">
+                <a:solidFill>
+                  <a:schemeClr val="tx1"/>
+                </a:solidFill>
+              </a:rPr>
+              <a:t>Go to </a:t>
+            </a:r>
+            <a:r>
+              <a:rPr lang="en-US" sz="1400" dirty="0" smtClean="0">
+                <a:solidFill>
+                  <a:schemeClr val="tx1"/>
+                </a:solidFill>
+              </a:rPr>
+              <a:t>shop</a:t>
+            </a:r>
+            <a:r>
+              <a:rPr lang="en-US" sz="1400" dirty="0" smtClean="0">
+                <a:solidFill>
+                  <a:schemeClr val="tx1"/>
+                </a:solidFill>
+              </a:rPr>
+              <a:t> </a:t>
+            </a:r>
+            <a:r>
+              <a:rPr lang="en-US" sz="1400" dirty="0" smtClean="0">
+                <a:solidFill>
+                  <a:schemeClr val="tx1"/>
+                </a:solidFill>
+              </a:rPr>
+              <a:t>detail page</a:t>
+            </a:r>
+            <a:endParaRPr lang="en-US" sz="1400" dirty="0">
+              <a:solidFill>
+                <a:schemeClr val="tx1"/>
+              </a:solidFill>
+            </a:endParaRPr>
+          </a:p>
+        </p:txBody>
+      </p:sp>
+      <p:cxnSp>
+        <p:nvCxnSpPr>
+          <p:cNvPr id="18" name="Straight Arrow Connector 17"/>
+          <p:cNvCxnSpPr>
+            <a:stCxn id="17" idx="2"/>
+            <a:endCxn id="16" idx="0"/>
+          </p:cNvCxnSpPr>
+          <p:nvPr/>
+        </p:nvCxnSpPr>
+        <p:spPr>
+          <a:xfrm>
+            <a:off x="3482015" y="6217260"/>
+            <a:ext cx="12788" cy="288266"/>
+          </a:xfrm>
+          <a:prstGeom prst="straightConnector1">
+            <a:avLst/>
+          </a:prstGeom>
+          <a:ln>
+            <a:solidFill>
+              <a:schemeClr val="tx1"/>
+            </a:solidFill>
+            <a:tailEnd type="arrow"/>
+          </a:ln>
+          <a:effectLst/>
+        </p:spPr>
+        <p:style>
+          <a:lnRef idx="2">
+            <a:schemeClr val="accent1"/>
+          </a:lnRef>
+          <a:fillRef idx="0">
+            <a:schemeClr val="accent1"/>
+          </a:fillRef>
+          <a:effectRef idx="1">
+            <a:schemeClr val="accent1"/>
+          </a:effectRef>
+          <a:fontRef idx="minor">
+            <a:schemeClr val="tx1"/>
+          </a:fontRef>
+        </p:style>
+      </p:cxnSp>
+      <p:sp>
+        <p:nvSpPr>
+          <p:cNvPr id="19" name="Oval 18"/>
+          <p:cNvSpPr/>
+          <p:nvPr/>
+        </p:nvSpPr>
+        <p:spPr>
+          <a:xfrm>
+            <a:off x="3192894" y="7686872"/>
+            <a:ext cx="590939" cy="590939"/>
+          </a:xfrm>
+          <a:prstGeom prst="ellipse">
+            <a:avLst/>
+          </a:prstGeom>
+          <a:solidFill>
+            <a:schemeClr val="bg1"/>
+          </a:solidFill>
+          <a:ln>
+            <a:solidFill>
+              <a:schemeClr val="tx1"/>
+            </a:solidFill>
+          </a:ln>
+          <a:effectLst/>
+        </p:spPr>
+        <p:style>
+          <a:lnRef idx="1">
+            <a:schemeClr val="accent1"/>
+          </a:lnRef>
+          <a:fillRef idx="3">
+            <a:schemeClr val="accent1"/>
+          </a:fillRef>
+          <a:effectRef idx="2">
+            <a:schemeClr val="accent1"/>
+          </a:effectRef>
+          <a:fontRef idx="minor">
+            <a:schemeClr val="lt1"/>
+          </a:fontRef>
+        </p:style>
+        <p:txBody>
+          <a:bodyPr rtlCol="0" anchor="ctr"/>
+          <a:lstStyle/>
+          <a:p>
+            <a:pPr algn="ctr"/>
+            <a:endParaRPr lang="en-US"/>
+          </a:p>
+        </p:txBody>
+      </p:sp>
+      <p:sp>
+        <p:nvSpPr>
+          <p:cNvPr id="21" name="Oval 20"/>
+          <p:cNvSpPr/>
+          <p:nvPr/>
+        </p:nvSpPr>
+        <p:spPr>
+          <a:xfrm>
+            <a:off x="3326688" y="7814021"/>
+            <a:ext cx="315402" cy="315402"/>
+          </a:xfrm>
+          <a:prstGeom prst="ellipse">
+            <a:avLst/>
+          </a:prstGeom>
+          <a:solidFill>
+            <a:schemeClr val="tx1"/>
+          </a:solidFill>
+          <a:ln>
+            <a:noFill/>
+          </a:ln>
+          <a:effectLst/>
+        </p:spPr>
+        <p:style>
+          <a:lnRef idx="1">
+            <a:schemeClr val="accent1"/>
+          </a:lnRef>
+          <a:fillRef idx="3">
+            <a:schemeClr val="accent1"/>
+          </a:fillRef>
+          <a:effectRef idx="2">
+            <a:schemeClr val="accent1"/>
+          </a:effectRef>
+          <a:fontRef idx="minor">
+            <a:schemeClr val="lt1"/>
+          </a:fontRef>
+        </p:style>
+        <p:txBody>
+          <a:bodyPr rtlCol="0" anchor="ctr"/>
+          <a:lstStyle/>
+          <a:p>
+            <a:pPr algn="ctr"/>
+            <a:endParaRPr lang="en-US"/>
+          </a:p>
+        </p:txBody>
+      </p:sp>
+      <p:cxnSp>
+        <p:nvCxnSpPr>
+          <p:cNvPr id="22" name="Straight Arrow Connector 21"/>
+          <p:cNvCxnSpPr>
+            <a:stCxn id="16" idx="2"/>
+            <a:endCxn id="19" idx="0"/>
+          </p:cNvCxnSpPr>
+          <p:nvPr/>
+        </p:nvCxnSpPr>
+        <p:spPr>
+          <a:xfrm flipH="1">
+            <a:off x="3488364" y="7322554"/>
+            <a:ext cx="6439" cy="364318"/>
+          </a:xfrm>
+          <a:prstGeom prst="straightConnector1">
+            <a:avLst/>
+          </a:prstGeom>
+          <a:ln>
+            <a:solidFill>
+              <a:schemeClr val="tx1"/>
+            </a:solidFill>
+            <a:tailEnd type="arrow"/>
+          </a:ln>
+          <a:effectLst/>
+        </p:spPr>
+        <p:style>
+          <a:lnRef idx="2">
+            <a:schemeClr val="accent1"/>
+          </a:lnRef>
+          <a:fillRef idx="0">
+            <a:schemeClr val="accent1"/>
+          </a:fillRef>
+          <a:effectRef idx="1">
+            <a:schemeClr val="accent1"/>
+          </a:effectRef>
+          <a:fontRef idx="minor">
+            <a:schemeClr val="tx1"/>
+          </a:fontRef>
+        </p:style>
+      </p:cxnSp>
+    </p:spTree>
+    <p:extLst>
+      <p:ext uri="{BB962C8B-B14F-4D97-AF65-F5344CB8AC3E}">
+        <p14:creationId xmlns:p14="http://schemas.microsoft.com/office/powerpoint/2010/main" val="2937780337"/>
       </p:ext>
     </p:extLst>
   </p:cSld>
